--- a/Presentations/Club Hack1ng/Clase13-Python(23,10,2017).pptx
+++ b/Presentations/Club Hack1ng/Clase13-Python(23,10,2017).pptx
@@ -5,16 +5,22 @@
     <p:sldMasterId id="2147483648" r:id="rId1"/>
   </p:sldMasterIdLst>
   <p:notesMasterIdLst>
-    <p:notesMasterId r:id="rId9"/>
+    <p:notesMasterId r:id="rId15"/>
   </p:notesMasterIdLst>
   <p:sldIdLst>
     <p:sldId id="256" r:id="rId2"/>
-    <p:sldId id="269" r:id="rId3"/>
-    <p:sldId id="400" r:id="rId4"/>
+    <p:sldId id="408" r:id="rId3"/>
+    <p:sldId id="269" r:id="rId4"/>
     <p:sldId id="401" r:id="rId5"/>
-    <p:sldId id="398" r:id="rId6"/>
-    <p:sldId id="399" r:id="rId7"/>
-    <p:sldId id="265" r:id="rId8"/>
+    <p:sldId id="402" r:id="rId6"/>
+    <p:sldId id="407" r:id="rId7"/>
+    <p:sldId id="403" r:id="rId8"/>
+    <p:sldId id="404" r:id="rId9"/>
+    <p:sldId id="406" r:id="rId10"/>
+    <p:sldId id="400" r:id="rId11"/>
+    <p:sldId id="405" r:id="rId12"/>
+    <p:sldId id="399" r:id="rId13"/>
+    <p:sldId id="265" r:id="rId14"/>
   </p:sldIdLst>
   <p:sldSz cx="12192000" cy="6858000"/>
   <p:notesSz cx="6858000" cy="9144000"/>
@@ -219,7 +225,7 @@
           <a:p>
             <a:fld id="{4C99771D-871E-44E4-AA0A-AD673C5744C3}" type="datetimeFigureOut">
               <a:rPr lang="es-CO" smtClean="0"/>
-              <a:t>23/10/2017</a:t>
+              <a:t>24/10/2017</a:t>
             </a:fld>
             <a:endParaRPr lang="es-CO"/>
           </a:p>
@@ -618,7 +624,7 @@
           <a:p>
             <a:fld id="{15D56A38-8AF9-4474-AB99-F282E2900231}" type="datetime1">
               <a:rPr lang="es-CO" smtClean="0"/>
-              <a:t>23/10/2017</a:t>
+              <a:t>24/10/2017</a:t>
             </a:fld>
             <a:endParaRPr lang="es-CO"/>
           </a:p>
@@ -788,7 +794,7 @@
           <a:p>
             <a:fld id="{EB29F937-091A-44C0-85B6-4E4120F9E169}" type="datetime1">
               <a:rPr lang="es-CO" smtClean="0"/>
-              <a:t>23/10/2017</a:t>
+              <a:t>24/10/2017</a:t>
             </a:fld>
             <a:endParaRPr lang="es-CO"/>
           </a:p>
@@ -968,7 +974,7 @@
           <a:p>
             <a:fld id="{39974EDF-9F37-4538-845F-44C54E437C5C}" type="datetime1">
               <a:rPr lang="es-CO" smtClean="0"/>
-              <a:t>23/10/2017</a:t>
+              <a:t>24/10/2017</a:t>
             </a:fld>
             <a:endParaRPr lang="es-CO"/>
           </a:p>
@@ -1138,7 +1144,7 @@
           <a:p>
             <a:fld id="{31EAB086-0955-4506-98BF-51B70324519F}" type="datetime1">
               <a:rPr lang="es-CO" smtClean="0"/>
-              <a:t>23/10/2017</a:t>
+              <a:t>24/10/2017</a:t>
             </a:fld>
             <a:endParaRPr lang="es-CO"/>
           </a:p>
@@ -1384,7 +1390,7 @@
           <a:p>
             <a:fld id="{E342B7FF-807F-431D-85B2-806AE4A68A98}" type="datetime1">
               <a:rPr lang="es-CO" smtClean="0"/>
-              <a:t>23/10/2017</a:t>
+              <a:t>24/10/2017</a:t>
             </a:fld>
             <a:endParaRPr lang="es-CO"/>
           </a:p>
@@ -1616,7 +1622,7 @@
           <a:p>
             <a:fld id="{8F463E7B-8779-4847-BB6C-42B776E82F77}" type="datetime1">
               <a:rPr lang="es-CO" smtClean="0"/>
-              <a:t>23/10/2017</a:t>
+              <a:t>24/10/2017</a:t>
             </a:fld>
             <a:endParaRPr lang="es-CO"/>
           </a:p>
@@ -1983,7 +1989,7 @@
           <a:p>
             <a:fld id="{15165D0F-807A-4B9F-AB19-158207798EF6}" type="datetime1">
               <a:rPr lang="es-CO" smtClean="0"/>
-              <a:t>23/10/2017</a:t>
+              <a:t>24/10/2017</a:t>
             </a:fld>
             <a:endParaRPr lang="es-CO"/>
           </a:p>
@@ -2101,7 +2107,7 @@
           <a:p>
             <a:fld id="{1E608C50-0512-49AE-B3B1-4F0064066B72}" type="datetime1">
               <a:rPr lang="es-CO" smtClean="0"/>
-              <a:t>23/10/2017</a:t>
+              <a:t>24/10/2017</a:t>
             </a:fld>
             <a:endParaRPr lang="es-CO"/>
           </a:p>
@@ -2196,7 +2202,7 @@
           <a:p>
             <a:fld id="{B8CD2061-93FE-49A3-A075-44EDBA130B4A}" type="datetime1">
               <a:rPr lang="es-CO" smtClean="0"/>
-              <a:t>23/10/2017</a:t>
+              <a:t>24/10/2017</a:t>
             </a:fld>
             <a:endParaRPr lang="es-CO"/>
           </a:p>
@@ -2473,7 +2479,7 @@
           <a:p>
             <a:fld id="{D1E25AD9-A404-479F-986A-B89382580660}" type="datetime1">
               <a:rPr lang="es-CO" smtClean="0"/>
-              <a:t>23/10/2017</a:t>
+              <a:t>24/10/2017</a:t>
             </a:fld>
             <a:endParaRPr lang="es-CO"/>
           </a:p>
@@ -2726,7 +2732,7 @@
           <a:p>
             <a:fld id="{BFDEEA60-9CFB-4C6B-90E8-902328DB353A}" type="datetime1">
               <a:rPr lang="es-CO" smtClean="0"/>
-              <a:t>23/10/2017</a:t>
+              <a:t>24/10/2017</a:t>
             </a:fld>
             <a:endParaRPr lang="es-CO"/>
           </a:p>
@@ -2942,7 +2948,7 @@
           <a:p>
             <a:fld id="{1FE09B35-DBF2-4EF3-A73B-DF08F1989C59}" type="datetime1">
               <a:rPr lang="es-CO" smtClean="0"/>
-              <a:t>23/10/2017</a:t>
+              <a:t>24/10/2017</a:t>
             </a:fld>
             <a:endParaRPr lang="es-CO"/>
           </a:p>
@@ -3422,10 +3428,17 @@
   <p:clrMapOvr>
     <a:masterClrMapping/>
   </p:clrMapOvr>
+  <p:timing>
+    <p:tnLst>
+      <p:par>
+        <p:cTn id="1" dur="indefinite" restart="never" nodeType="tmRoot"/>
+      </p:par>
+    </p:tnLst>
+  </p:timing>
 </p:sld>
 </file>
 
-<file path=ppt/slides/slide2.xml><?xml version="1.0" encoding="utf-8"?>
+<file path=ppt/slides/slide10.xml><?xml version="1.0" encoding="utf-8"?>
 <p:sld xmlns:a="http://schemas.openxmlformats.org/drawingml/2006/main" xmlns:r="http://schemas.openxmlformats.org/officeDocument/2006/relationships" xmlns:p="http://schemas.openxmlformats.org/presentationml/2006/main">
   <p:cSld>
     <p:spTree>
@@ -3444,206 +3457,6 @@
       </p:grpSpPr>
       <p:sp>
         <p:nvSpPr>
-          <p:cNvPr id="4" name="Marcador de número de diapositiva 3"/>
-          <p:cNvSpPr>
-            <a:spLocks noGrp="1"/>
-          </p:cNvSpPr>
-          <p:nvPr>
-            <p:ph type="sldNum" sz="quarter" idx="12"/>
-          </p:nvPr>
-        </p:nvSpPr>
-        <p:spPr/>
-        <p:txBody>
-          <a:bodyPr/>
-          <a:lstStyle/>
-          <a:p>
-            <a:fld id="{FF3034EF-BFAE-4255-A656-297DAB7FEC3B}" type="slidenum">
-              <a:rPr lang="es-CO" smtClean="0"/>
-              <a:t>2</a:t>
-            </a:fld>
-            <a:endParaRPr lang="es-CO"/>
-          </a:p>
-        </p:txBody>
-      </p:sp>
-      <p:sp>
-        <p:nvSpPr>
-          <p:cNvPr id="5" name="CuadroTexto 4"/>
-          <p:cNvSpPr txBox="1"/>
-          <p:nvPr/>
-        </p:nvSpPr>
-        <p:spPr>
-          <a:xfrm>
-            <a:off x="0" y="104775"/>
-            <a:ext cx="12192000" cy="923330"/>
-          </a:xfrm>
-          <a:prstGeom prst="rect">
-            <a:avLst/>
-          </a:prstGeom>
-          <a:noFill/>
-        </p:spPr>
-        <p:txBody>
-          <a:bodyPr wrap="square" rtlCol="0">
-            <a:spAutoFit/>
-          </a:bodyPr>
-          <a:lstStyle/>
-          <a:p>
-            <a:pPr algn="ctr"/>
-            <a:r>
-              <a:rPr lang="es-CO" sz="5400" b="1" dirty="0">
-                <a:solidFill>
-                  <a:schemeClr val="bg1"/>
-                </a:solidFill>
-                <a:latin typeface="Berlin Sans FB Demi" panose="020E0802020502020306" pitchFamily="34" charset="0"/>
-              </a:rPr>
-              <a:t>Python</a:t>
-            </a:r>
-            <a:endParaRPr lang="es-CO" sz="3600" b="1" dirty="0">
-              <a:solidFill>
-                <a:schemeClr val="bg1"/>
-              </a:solidFill>
-              <a:latin typeface="Berlin Sans FB Demi" panose="020E0802020502020306" pitchFamily="34" charset="0"/>
-            </a:endParaRPr>
-          </a:p>
-        </p:txBody>
-      </p:sp>
-      <p:pic>
-        <p:nvPicPr>
-          <p:cNvPr id="1026" name="Picture 2" descr="Resultado de imagen para python hacker">
-            <a:hlinkClick r:id="rId2"/>
-            <a:extLst>
-              <a:ext uri="{FF2B5EF4-FFF2-40B4-BE49-F238E27FC236}">
-                <a16:creationId xmlns:a16="http://schemas.microsoft.com/office/drawing/2014/main" id="{55CBE6CB-490C-4164-B1F8-A3EE2D7D6928}"/>
-              </a:ext>
-            </a:extLst>
-          </p:cNvPr>
-          <p:cNvPicPr>
-            <a:picLocks noChangeAspect="1" noChangeArrowheads="1"/>
-          </p:cNvPicPr>
-          <p:nvPr/>
-        </p:nvPicPr>
-        <p:blipFill>
-          <a:blip r:embed="rId3">
-            <a:extLst>
-              <a:ext uri="{28A0092B-C50C-407E-A947-70E740481C1C}">
-                <a14:useLocalDpi xmlns:a14="http://schemas.microsoft.com/office/drawing/2010/main" val="0"/>
-              </a:ext>
-            </a:extLst>
-          </a:blip>
-          <a:srcRect/>
-          <a:stretch>
-            <a:fillRect/>
-          </a:stretch>
-        </p:blipFill>
-        <p:spPr bwMode="auto">
-          <a:xfrm>
-            <a:off x="8442036" y="3715474"/>
-            <a:ext cx="2556368" cy="2640876"/>
-          </a:xfrm>
-          <a:prstGeom prst="rect">
-            <a:avLst/>
-          </a:prstGeom>
-          <a:noFill/>
-          <a:effectLst>
-            <a:innerShdw blurRad="114300">
-              <a:prstClr val="black"/>
-            </a:innerShdw>
-          </a:effectLst>
-          <a:extLst>
-            <a:ext uri="{909E8E84-426E-40DD-AFC4-6F175D3DCCD1}">
-              <a14:hiddenFill xmlns:a14="http://schemas.microsoft.com/office/drawing/2010/main">
-                <a:solidFill>
-                  <a:srgbClr val="FFFFFF"/>
-                </a:solidFill>
-              </a14:hiddenFill>
-            </a:ext>
-          </a:extLst>
-        </p:spPr>
-      </p:pic>
-      <p:pic>
-        <p:nvPicPr>
-          <p:cNvPr id="1028" name="Picture 4" descr="Resultado de imagen para python">
-            <a:hlinkClick r:id="rId4"/>
-            <a:extLst>
-              <a:ext uri="{FF2B5EF4-FFF2-40B4-BE49-F238E27FC236}">
-                <a16:creationId xmlns:a16="http://schemas.microsoft.com/office/drawing/2014/main" id="{89B85AFF-F48F-4A7D-ADF0-11A2153754FD}"/>
-              </a:ext>
-            </a:extLst>
-          </p:cNvPr>
-          <p:cNvPicPr>
-            <a:picLocks noChangeAspect="1" noChangeArrowheads="1"/>
-          </p:cNvPicPr>
-          <p:nvPr/>
-        </p:nvPicPr>
-        <p:blipFill>
-          <a:blip r:embed="rId5">
-            <a:extLst>
-              <a:ext uri="{28A0092B-C50C-407E-A947-70E740481C1C}">
-                <a14:useLocalDpi xmlns:a14="http://schemas.microsoft.com/office/drawing/2010/main" val="0"/>
-              </a:ext>
-            </a:extLst>
-          </a:blip>
-          <a:srcRect/>
-          <a:stretch>
-            <a:fillRect/>
-          </a:stretch>
-        </p:blipFill>
-        <p:spPr bwMode="auto">
-          <a:xfrm>
-            <a:off x="813811" y="1781899"/>
-            <a:ext cx="5724525" cy="1933575"/>
-          </a:xfrm>
-          <a:prstGeom prst="rect">
-            <a:avLst/>
-          </a:prstGeom>
-          <a:noFill/>
-          <a:effectLst>
-            <a:innerShdw blurRad="114300">
-              <a:prstClr val="black"/>
-            </a:innerShdw>
-          </a:effectLst>
-          <a:extLst>
-            <a:ext uri="{909E8E84-426E-40DD-AFC4-6F175D3DCCD1}">
-              <a14:hiddenFill xmlns:a14="http://schemas.microsoft.com/office/drawing/2010/main">
-                <a:solidFill>
-                  <a:srgbClr val="FFFFFF"/>
-                </a:solidFill>
-              </a14:hiddenFill>
-            </a:ext>
-          </a:extLst>
-        </p:spPr>
-      </p:pic>
-    </p:spTree>
-    <p:extLst>
-      <p:ext uri="{BB962C8B-B14F-4D97-AF65-F5344CB8AC3E}">
-        <p14:creationId xmlns:p14="http://schemas.microsoft.com/office/powerpoint/2010/main" val="3702752923"/>
-      </p:ext>
-    </p:extLst>
-  </p:cSld>
-  <p:clrMapOvr>
-    <a:masterClrMapping/>
-  </p:clrMapOvr>
-</p:sld>
-</file>
-
-<file path=ppt/slides/slide3.xml><?xml version="1.0" encoding="utf-8"?>
-<p:sld xmlns:a="http://schemas.openxmlformats.org/drawingml/2006/main" xmlns:r="http://schemas.openxmlformats.org/officeDocument/2006/relationships" xmlns:p="http://schemas.openxmlformats.org/presentationml/2006/main">
-  <p:cSld>
-    <p:spTree>
-      <p:nvGrpSpPr>
-        <p:cNvPr id="1" name=""/>
-        <p:cNvGrpSpPr/>
-        <p:nvPr/>
-      </p:nvGrpSpPr>
-      <p:grpSpPr>
-        <a:xfrm>
-          <a:off x="0" y="0"/>
-          <a:ext cx="0" cy="0"/>
-          <a:chOff x="0" y="0"/>
-          <a:chExt cx="0" cy="0"/>
-        </a:xfrm>
-      </p:grpSpPr>
-      <p:sp>
-        <p:nvSpPr>
           <p:cNvPr id="4" name="Marcador de número de diapositiva 3">
             <a:extLst>
               <a:ext uri="{FF2B5EF4-FFF2-40B4-BE49-F238E27FC236}">
@@ -3665,7 +3478,7 @@
           <a:p>
             <a:fld id="{FF3034EF-BFAE-4255-A656-297DAB7FEC3B}" type="slidenum">
               <a:rPr lang="es-CO" smtClean="0"/>
-              <a:t>3</a:t>
+              <a:t>10</a:t>
             </a:fld>
             <a:endParaRPr lang="es-CO"/>
           </a:p>
@@ -3981,10 +3794,17 @@
   <p:clrMapOvr>
     <a:masterClrMapping/>
   </p:clrMapOvr>
+  <p:timing>
+    <p:tnLst>
+      <p:par>
+        <p:cTn id="1" dur="indefinite" restart="never" nodeType="tmRoot"/>
+      </p:par>
+    </p:tnLst>
+  </p:timing>
 </p:sld>
 </file>
 
-<file path=ppt/slides/slide4.xml><?xml version="1.0" encoding="utf-8"?>
+<file path=ppt/slides/slide11.xml><?xml version="1.0" encoding="utf-8"?>
 <p:sld xmlns:a="http://schemas.openxmlformats.org/drawingml/2006/main" xmlns:r="http://schemas.openxmlformats.org/officeDocument/2006/relationships" xmlns:p="http://schemas.openxmlformats.org/presentationml/2006/main">
   <p:cSld>
     <p:spTree>
@@ -4003,97 +3823,294 @@
       </p:grpSpPr>
       <p:sp>
         <p:nvSpPr>
-          <p:cNvPr id="2" name="Título 1">
+          <p:cNvPr id="4" name="Marcador de número de diapositiva 3"/>
+          <p:cNvSpPr>
+            <a:spLocks noGrp="1"/>
+          </p:cNvSpPr>
+          <p:nvPr>
+            <p:ph type="sldNum" sz="quarter" idx="12"/>
+          </p:nvPr>
+        </p:nvSpPr>
+        <p:spPr/>
+        <p:txBody>
+          <a:bodyPr/>
+          <a:lstStyle/>
+          <a:p>
+            <a:fld id="{FF3034EF-BFAE-4255-A656-297DAB7FEC3B}" type="slidenum">
+              <a:rPr lang="es-CO" smtClean="0"/>
+              <a:t>11</a:t>
+            </a:fld>
+            <a:endParaRPr lang="es-CO"/>
+          </a:p>
+        </p:txBody>
+      </p:sp>
+      <p:pic>
+        <p:nvPicPr>
+          <p:cNvPr id="6150" name="Picture 6" descr="Resultado de imagen para udemy">
+            <a:hlinkClick r:id="rId2"/>
+          </p:cNvPr>
+          <p:cNvPicPr>
+            <a:picLocks noChangeAspect="1" noChangeArrowheads="1"/>
+          </p:cNvPicPr>
+          <p:nvPr/>
+        </p:nvPicPr>
+        <p:blipFill>
+          <a:blip r:embed="rId3" cstate="print">
+            <a:extLst>
+              <a:ext uri="{28A0092B-C50C-407E-A947-70E740481C1C}">
+                <a14:useLocalDpi xmlns:a14="http://schemas.microsoft.com/office/drawing/2010/main" val="0"/>
+              </a:ext>
+            </a:extLst>
+          </a:blip>
+          <a:srcRect/>
+          <a:stretch>
+            <a:fillRect/>
+          </a:stretch>
+        </p:blipFill>
+        <p:spPr bwMode="auto">
+          <a:xfrm>
+            <a:off x="661412" y="1498058"/>
+            <a:ext cx="2889115" cy="2889115"/>
+          </a:xfrm>
+          <a:prstGeom prst="rect">
+            <a:avLst/>
+          </a:prstGeom>
+          <a:noFill/>
+          <a:extLst>
+            <a:ext uri="{909E8E84-426E-40DD-AFC4-6F175D3DCCD1}">
+              <a14:hiddenFill xmlns:a14="http://schemas.microsoft.com/office/drawing/2010/main">
+                <a:solidFill>
+                  <a:srgbClr val="FFFFFF"/>
+                </a:solidFill>
+              </a14:hiddenFill>
+            </a:ext>
+          </a:extLst>
+        </p:spPr>
+      </p:pic>
+      <p:sp>
+        <p:nvSpPr>
+          <p:cNvPr id="8" name="CuadroTexto 7">
             <a:extLst>
               <a:ext uri="{FF2B5EF4-FFF2-40B4-BE49-F238E27FC236}">
-                <a16:creationId xmlns:a16="http://schemas.microsoft.com/office/drawing/2014/main" id="{555AE806-093B-4EC6-8135-A660C0F7EE4A}"/>
+                <a16:creationId xmlns:a16="http://schemas.microsoft.com/office/drawing/2014/main" id="{A84A9A1E-7896-4092-A71F-E527966027B7}"/>
               </a:ext>
             </a:extLst>
           </p:cNvPr>
-          <p:cNvSpPr>
-            <a:spLocks noGrp="1"/>
-          </p:cNvSpPr>
-          <p:nvPr>
-            <p:ph type="title"/>
-          </p:nvPr>
-        </p:nvSpPr>
-        <p:spPr/>
-        <p:txBody>
-          <a:bodyPr/>
-          <a:lstStyle/>
-          <a:p>
-            <a:endParaRPr lang="es-CO"/>
-          </a:p>
-        </p:txBody>
-      </p:sp>
-      <p:sp>
-        <p:nvSpPr>
-          <p:cNvPr id="3" name="Marcador de contenido 2">
+          <p:cNvSpPr txBox="1"/>
+          <p:nvPr/>
+        </p:nvSpPr>
+        <p:spPr>
+          <a:xfrm>
+            <a:off x="0" y="104775"/>
+            <a:ext cx="12192000" cy="923330"/>
+          </a:xfrm>
+          <a:prstGeom prst="rect">
+            <a:avLst/>
+          </a:prstGeom>
+          <a:noFill/>
+        </p:spPr>
+        <p:txBody>
+          <a:bodyPr wrap="square" rtlCol="0">
+            <a:spAutoFit/>
+          </a:bodyPr>
+          <a:lstStyle/>
+          <a:p>
+            <a:pPr algn="ctr"/>
+            <a:r>
+              <a:rPr lang="es-CO" sz="5400" b="1" dirty="0" err="1" smtClean="0">
+                <a:solidFill>
+                  <a:schemeClr val="bg1"/>
+                </a:solidFill>
+                <a:latin typeface="Berlin Sans FB Demi" panose="020E0802020502020306" pitchFamily="34" charset="0"/>
+              </a:rPr>
+              <a:t>Other</a:t>
+            </a:r>
+            <a:r>
+              <a:rPr lang="es-CO" sz="5400" b="1" dirty="0" smtClean="0">
+                <a:solidFill>
+                  <a:schemeClr val="bg1"/>
+                </a:solidFill>
+                <a:latin typeface="Berlin Sans FB Demi" panose="020E0802020502020306" pitchFamily="34" charset="0"/>
+              </a:rPr>
+              <a:t> </a:t>
+            </a:r>
+            <a:r>
+              <a:rPr lang="es-CO" sz="5400" b="1" dirty="0" err="1" smtClean="0">
+                <a:solidFill>
+                  <a:schemeClr val="bg1"/>
+                </a:solidFill>
+                <a:latin typeface="Berlin Sans FB Demi" panose="020E0802020502020306" pitchFamily="34" charset="0"/>
+              </a:rPr>
+              <a:t>Resources</a:t>
+            </a:r>
+            <a:r>
+              <a:rPr lang="es-CO" sz="5400" b="1" dirty="0" smtClean="0">
+                <a:solidFill>
+                  <a:schemeClr val="bg1"/>
+                </a:solidFill>
+                <a:latin typeface="Berlin Sans FB Demi" panose="020E0802020502020306" pitchFamily="34" charset="0"/>
+              </a:rPr>
+              <a:t> …</a:t>
+            </a:r>
+            <a:endParaRPr lang="es-CO" sz="3600" b="1" dirty="0">
+              <a:solidFill>
+                <a:schemeClr val="bg1"/>
+              </a:solidFill>
+              <a:latin typeface="Berlin Sans FB Demi" panose="020E0802020502020306" pitchFamily="34" charset="0"/>
+            </a:endParaRPr>
+          </a:p>
+        </p:txBody>
+      </p:sp>
+      <p:pic>
+        <p:nvPicPr>
+          <p:cNvPr id="6154" name="Picture 10" descr="Resultado de imagen para coursera">
+            <a:hlinkClick r:id="rId4"/>
+          </p:cNvPr>
+          <p:cNvPicPr>
+            <a:picLocks noChangeAspect="1" noChangeArrowheads="1"/>
+          </p:cNvPicPr>
+          <p:nvPr/>
+        </p:nvPicPr>
+        <p:blipFill>
+          <a:blip r:embed="rId5">
             <a:extLst>
-              <a:ext uri="{FF2B5EF4-FFF2-40B4-BE49-F238E27FC236}">
-                <a16:creationId xmlns:a16="http://schemas.microsoft.com/office/drawing/2014/main" id="{6A647F4E-5A61-4DB2-9C8C-A01918D1B1C4}"/>
+              <a:ext uri="{28A0092B-C50C-407E-A947-70E740481C1C}">
+                <a14:useLocalDpi xmlns:a14="http://schemas.microsoft.com/office/drawing/2010/main" val="0"/>
               </a:ext>
             </a:extLst>
+          </a:blip>
+          <a:srcRect/>
+          <a:stretch>
+            <a:fillRect/>
+          </a:stretch>
+        </p:blipFill>
+        <p:spPr bwMode="auto">
+          <a:xfrm>
+            <a:off x="4649820" y="1496435"/>
+            <a:ext cx="2970179" cy="2970180"/>
+          </a:xfrm>
+          <a:prstGeom prst="rect">
+            <a:avLst/>
+          </a:prstGeom>
+          <a:noFill/>
+          <a:extLst>
+            <a:ext uri="{909E8E84-426E-40DD-AFC4-6F175D3DCCD1}">
+              <a14:hiddenFill xmlns:a14="http://schemas.microsoft.com/office/drawing/2010/main">
+                <a:solidFill>
+                  <a:srgbClr val="FFFFFF"/>
+                </a:solidFill>
+              </a14:hiddenFill>
+            </a:ext>
+          </a:extLst>
+        </p:spPr>
+      </p:pic>
+      <p:pic>
+        <p:nvPicPr>
+          <p:cNvPr id="6156" name="Picture 12" descr="Resultado de imagen para platzi">
+            <a:hlinkClick r:id="rId6"/>
           </p:cNvPr>
-          <p:cNvSpPr>
-            <a:spLocks noGrp="1"/>
-          </p:cNvSpPr>
-          <p:nvPr>
-            <p:ph idx="1"/>
-          </p:nvPr>
-        </p:nvSpPr>
-        <p:spPr/>
-        <p:txBody>
-          <a:bodyPr/>
-          <a:lstStyle/>
-          <a:p>
-            <a:endParaRPr lang="es-CO"/>
-          </a:p>
-        </p:txBody>
-      </p:sp>
-      <p:sp>
-        <p:nvSpPr>
-          <p:cNvPr id="4" name="Marcador de número de diapositiva 3">
+          <p:cNvPicPr>
+            <a:picLocks noChangeAspect="1" noChangeArrowheads="1"/>
+          </p:cNvPicPr>
+          <p:nvPr/>
+        </p:nvPicPr>
+        <p:blipFill>
+          <a:blip r:embed="rId7">
             <a:extLst>
-              <a:ext uri="{FF2B5EF4-FFF2-40B4-BE49-F238E27FC236}">
-                <a16:creationId xmlns:a16="http://schemas.microsoft.com/office/drawing/2014/main" id="{EA221394-0EBB-4640-84DA-F1D36ECD6047}"/>
+              <a:ext uri="{28A0092B-C50C-407E-A947-70E740481C1C}">
+                <a14:useLocalDpi xmlns:a14="http://schemas.microsoft.com/office/drawing/2010/main" val="0"/>
               </a:ext>
             </a:extLst>
+          </a:blip>
+          <a:srcRect/>
+          <a:stretch>
+            <a:fillRect/>
+          </a:stretch>
+        </p:blipFill>
+        <p:spPr bwMode="auto">
+          <a:xfrm>
+            <a:off x="661412" y="4857126"/>
+            <a:ext cx="4875585" cy="1660417"/>
+          </a:xfrm>
+          <a:prstGeom prst="rect">
+            <a:avLst/>
+          </a:prstGeom>
+          <a:noFill/>
+          <a:extLst>
+            <a:ext uri="{909E8E84-426E-40DD-AFC4-6F175D3DCCD1}">
+              <a14:hiddenFill xmlns:a14="http://schemas.microsoft.com/office/drawing/2010/main">
+                <a:solidFill>
+                  <a:srgbClr val="FFFFFF"/>
+                </a:solidFill>
+              </a14:hiddenFill>
+            </a:ext>
+          </a:extLst>
+        </p:spPr>
+      </p:pic>
+      <p:pic>
+        <p:nvPicPr>
+          <p:cNvPr id="6158" name="Picture 14" descr="Resultado de imagen para codecademy">
+            <a:hlinkClick r:id="rId8"/>
           </p:cNvPr>
-          <p:cNvSpPr>
-            <a:spLocks noGrp="1"/>
-          </p:cNvSpPr>
-          <p:nvPr>
-            <p:ph type="sldNum" sz="quarter" idx="12"/>
-          </p:nvPr>
-        </p:nvSpPr>
-        <p:spPr/>
-        <p:txBody>
-          <a:bodyPr/>
-          <a:lstStyle/>
-          <a:p>
-            <a:fld id="{FF3034EF-BFAE-4255-A656-297DAB7FEC3B}" type="slidenum">
-              <a:rPr lang="es-CO" smtClean="0"/>
-              <a:t>4</a:t>
-            </a:fld>
-            <a:endParaRPr lang="es-CO"/>
-          </a:p>
-        </p:txBody>
-      </p:sp>
+          <p:cNvPicPr>
+            <a:picLocks noChangeAspect="1" noChangeArrowheads="1"/>
+          </p:cNvPicPr>
+          <p:nvPr/>
+        </p:nvPicPr>
+        <p:blipFill>
+          <a:blip r:embed="rId9">
+            <a:extLst>
+              <a:ext uri="{28A0092B-C50C-407E-A947-70E740481C1C}">
+                <a14:useLocalDpi xmlns:a14="http://schemas.microsoft.com/office/drawing/2010/main" val="0"/>
+              </a:ext>
+            </a:extLst>
+          </a:blip>
+          <a:srcRect/>
+          <a:stretch>
+            <a:fillRect/>
+          </a:stretch>
+        </p:blipFill>
+        <p:spPr bwMode="auto">
+          <a:xfrm>
+            <a:off x="6264546" y="4852986"/>
+            <a:ext cx="4867275" cy="1685926"/>
+          </a:xfrm>
+          <a:prstGeom prst="rect">
+            <a:avLst/>
+          </a:prstGeom>
+          <a:noFill/>
+          <a:extLst>
+            <a:ext uri="{909E8E84-426E-40DD-AFC4-6F175D3DCCD1}">
+              <a14:hiddenFill xmlns:a14="http://schemas.microsoft.com/office/drawing/2010/main">
+                <a:solidFill>
+                  <a:srgbClr val="FFFFFF"/>
+                </a:solidFill>
+              </a14:hiddenFill>
+            </a:ext>
+          </a:extLst>
+        </p:spPr>
+      </p:pic>
     </p:spTree>
     <p:extLst>
       <p:ext uri="{BB962C8B-B14F-4D97-AF65-F5344CB8AC3E}">
-        <p14:creationId xmlns:p14="http://schemas.microsoft.com/office/powerpoint/2010/main" val="3648546224"/>
+        <p14:creationId xmlns:p14="http://schemas.microsoft.com/office/powerpoint/2010/main" val="3430352495"/>
       </p:ext>
     </p:extLst>
   </p:cSld>
   <p:clrMapOvr>
     <a:masterClrMapping/>
   </p:clrMapOvr>
+  <p:timing>
+    <p:tnLst>
+      <p:par>
+        <p:cTn id="1" dur="indefinite" restart="never" nodeType="tmRoot"/>
+      </p:par>
+    </p:tnLst>
+  </p:timing>
 </p:sld>
 </file>
 
-<file path=ppt/slides/slide5.xml><?xml version="1.0" encoding="utf-8"?>
+<file path=ppt/slides/slide12.xml><?xml version="1.0" encoding="utf-8"?>
 <p:sld xmlns:a="http://schemas.openxmlformats.org/drawingml/2006/main" xmlns:r="http://schemas.openxmlformats.org/officeDocument/2006/relationships" xmlns:p="http://schemas.openxmlformats.org/presentationml/2006/main">
   <p:cSld>
     <p:spTree>
@@ -4112,1279 +4129,6 @@
       </p:grpSpPr>
       <p:sp>
         <p:nvSpPr>
-          <p:cNvPr id="3" name="Marcador de contenido 2">
-            <a:extLst>
-              <a:ext uri="{FF2B5EF4-FFF2-40B4-BE49-F238E27FC236}">
-                <a16:creationId xmlns:a16="http://schemas.microsoft.com/office/drawing/2014/main" id="{31A24E61-FCCD-4CFE-BE62-67632245410E}"/>
-              </a:ext>
-            </a:extLst>
-          </p:cNvPr>
-          <p:cNvSpPr>
-            <a:spLocks noGrp="1"/>
-          </p:cNvSpPr>
-          <p:nvPr>
-            <p:ph idx="1"/>
-          </p:nvPr>
-        </p:nvSpPr>
-        <p:spPr/>
-        <p:txBody>
-          <a:bodyPr>
-            <a:normAutofit/>
-          </a:bodyPr>
-          <a:lstStyle/>
-          <a:p>
-            <a:pPr marL="0" indent="0" algn="just">
-              <a:buNone/>
-            </a:pPr>
-            <a:r>
-              <a:rPr lang="es-CO" sz="4000" dirty="0">
-                <a:solidFill>
-                  <a:schemeClr val="bg1"/>
-                </a:solidFill>
-                <a:latin typeface="Berlin Sans FB Demi" panose="020E0802020502020306" pitchFamily="34" charset="0"/>
-              </a:rPr>
-              <a:t>Vulnerabilidades humanas:</a:t>
-            </a:r>
-          </a:p>
-          <a:p>
-            <a:pPr algn="just"/>
-            <a:r>
-              <a:rPr lang="es-CO" sz="4000" dirty="0">
-                <a:solidFill>
-                  <a:schemeClr val="bg1"/>
-                </a:solidFill>
-                <a:latin typeface="Berlin Sans FB Demi" panose="020E0802020502020306" pitchFamily="34" charset="0"/>
-              </a:rPr>
-              <a:t>“Rodríguez si no es capaz de asumir las tareas de facturación del nuevo cliente después de la información que le he dado, quizás deberemos plantearnos buscar ayuda en </a:t>
-            </a:r>
-            <a:r>
-              <a:rPr lang="es-CO" sz="4000" dirty="0" err="1">
-                <a:solidFill>
-                  <a:schemeClr val="bg1"/>
-                </a:solidFill>
-                <a:latin typeface="Berlin Sans FB Demi" panose="020E0802020502020306" pitchFamily="34" charset="0"/>
-              </a:rPr>
-              <a:t>Martinez</a:t>
-            </a:r>
-            <a:r>
-              <a:rPr lang="es-CO" sz="4000" dirty="0">
-                <a:solidFill>
-                  <a:schemeClr val="bg1"/>
-                </a:solidFill>
-                <a:latin typeface="Berlin Sans FB Demi" panose="020E0802020502020306" pitchFamily="34" charset="0"/>
-              </a:rPr>
-              <a:t>…, por el bien común del departamento”.</a:t>
-            </a:r>
-          </a:p>
-        </p:txBody>
-      </p:sp>
-      <p:sp>
-        <p:nvSpPr>
-          <p:cNvPr id="4" name="Marcador de número de diapositiva 3">
-            <a:extLst>
-              <a:ext uri="{FF2B5EF4-FFF2-40B4-BE49-F238E27FC236}">
-                <a16:creationId xmlns:a16="http://schemas.microsoft.com/office/drawing/2014/main" id="{45D749D7-DC81-439A-BAFD-A36A4C32FA0B}"/>
-              </a:ext>
-            </a:extLst>
-          </p:cNvPr>
-          <p:cNvSpPr>
-            <a:spLocks noGrp="1"/>
-          </p:cNvSpPr>
-          <p:nvPr>
-            <p:ph type="sldNum" sz="quarter" idx="12"/>
-          </p:nvPr>
-        </p:nvSpPr>
-        <p:spPr/>
-        <p:txBody>
-          <a:bodyPr/>
-          <a:lstStyle/>
-          <a:p>
-            <a:fld id="{FF3034EF-BFAE-4255-A656-297DAB7FEC3B}" type="slidenum">
-              <a:rPr lang="es-CO" smtClean="0"/>
-              <a:t>5</a:t>
-            </a:fld>
-            <a:endParaRPr lang="es-CO"/>
-          </a:p>
-        </p:txBody>
-      </p:sp>
-      <p:sp>
-        <p:nvSpPr>
-          <p:cNvPr id="5" name="CuadroTexto 4">
-            <a:extLst>
-              <a:ext uri="{FF2B5EF4-FFF2-40B4-BE49-F238E27FC236}">
-                <a16:creationId xmlns:a16="http://schemas.microsoft.com/office/drawing/2014/main" id="{0FF44EAA-8F69-4FE6-89C5-0D2FEAE51436}"/>
-              </a:ext>
-            </a:extLst>
-          </p:cNvPr>
-          <p:cNvSpPr txBox="1"/>
-          <p:nvPr/>
-        </p:nvSpPr>
-        <p:spPr>
-          <a:xfrm>
-            <a:off x="0" y="-94730"/>
-            <a:ext cx="12192000" cy="2031325"/>
-          </a:xfrm>
-          <a:prstGeom prst="rect">
-            <a:avLst/>
-          </a:prstGeom>
-          <a:noFill/>
-        </p:spPr>
-        <p:txBody>
-          <a:bodyPr wrap="square" rtlCol="0">
-            <a:spAutoFit/>
-          </a:bodyPr>
-          <a:lstStyle/>
-          <a:p>
-            <a:pPr algn="ctr"/>
-            <a:r>
-              <a:rPr lang="es-CO" sz="5400" b="1" dirty="0">
-                <a:solidFill>
-                  <a:schemeClr val="bg1"/>
-                </a:solidFill>
-                <a:latin typeface="Berlin Sans FB Demi" panose="020E0802020502020306" pitchFamily="34" charset="0"/>
-              </a:rPr>
-              <a:t>Psicología</a:t>
-            </a:r>
-          </a:p>
-          <a:p>
-            <a:pPr algn="ctr"/>
-            <a:r>
-              <a:rPr lang="es-CO" sz="3600" b="1" dirty="0">
-                <a:solidFill>
-                  <a:schemeClr val="bg1"/>
-                </a:solidFill>
-                <a:latin typeface="Berlin Sans FB Demi" panose="020E0802020502020306" pitchFamily="34" charset="0"/>
-              </a:rPr>
-              <a:t>Operaciones psicológicas (PSYOPS)</a:t>
-            </a:r>
-          </a:p>
-          <a:p>
-            <a:pPr algn="ctr"/>
-            <a:endParaRPr lang="es-CO" sz="3600" b="1" dirty="0">
-              <a:solidFill>
-                <a:schemeClr val="bg1"/>
-              </a:solidFill>
-              <a:latin typeface="Berlin Sans FB Demi" panose="020E0802020502020306" pitchFamily="34" charset="0"/>
-            </a:endParaRPr>
-          </a:p>
-        </p:txBody>
-      </p:sp>
-      <p:sp>
-        <p:nvSpPr>
-          <p:cNvPr id="2" name="Rectangle 1">
-            <a:extLst>
-              <a:ext uri="{FF2B5EF4-FFF2-40B4-BE49-F238E27FC236}">
-                <a16:creationId xmlns:a16="http://schemas.microsoft.com/office/drawing/2014/main" id="{7B08357A-6091-417F-916E-0566FE3DEC12}"/>
-              </a:ext>
-            </a:extLst>
-          </p:cNvPr>
-          <p:cNvSpPr>
-            <a:spLocks noChangeArrowheads="1"/>
-          </p:cNvSpPr>
-          <p:nvPr/>
-        </p:nvSpPr>
-        <p:spPr bwMode="auto">
-          <a:xfrm>
-            <a:off x="0" y="0"/>
-            <a:ext cx="12192000" cy="0"/>
-          </a:xfrm>
-          <a:prstGeom prst="rect">
-            <a:avLst/>
-          </a:prstGeom>
-          <a:noFill/>
-          <a:ln>
-            <a:noFill/>
-          </a:ln>
-          <a:effectLst/>
-          <a:extLst>
-            <a:ext uri="{909E8E84-426E-40DD-AFC4-6F175D3DCCD1}">
-              <a14:hiddenFill xmlns:a14="http://schemas.microsoft.com/office/drawing/2010/main">
-                <a:solidFill>
-                  <a:schemeClr val="accent1"/>
-                </a:solidFill>
-              </a14:hiddenFill>
-            </a:ext>
-            <a:ext uri="{91240B29-F687-4F45-9708-019B960494DF}">
-              <a14:hiddenLine xmlns:a14="http://schemas.microsoft.com/office/drawing/2010/main" w="9525">
-                <a:solidFill>
-                  <a:schemeClr val="tx1"/>
-                </a:solidFill>
-                <a:miter lim="800000"/>
-                <a:headEnd/>
-                <a:tailEnd/>
-              </a14:hiddenLine>
-            </a:ext>
-            <a:ext uri="{AF507438-7753-43E0-B8FC-AC1667EBCBE1}">
-              <a14:hiddenEffects xmlns:a14="http://schemas.microsoft.com/office/drawing/2010/main">
-                <a:effectLst>
-                  <a:outerShdw dist="35921" dir="2700000" algn="ctr" rotWithShape="0">
-                    <a:schemeClr val="bg2"/>
-                  </a:outerShdw>
-                </a:effectLst>
-              </a14:hiddenEffects>
-            </a:ext>
-          </a:extLst>
-        </p:spPr>
-        <p:txBody>
-          <a:bodyPr vert="horz" wrap="none" lIns="91440" tIns="45720" rIns="91440" bIns="45720" numCol="1" anchor="ctr" anchorCtr="0" compatLnSpc="1">
-            <a:prstTxWarp prst="textNoShape">
-              <a:avLst/>
-            </a:prstTxWarp>
-            <a:spAutoFit/>
-          </a:bodyPr>
-          <a:lstStyle>
-            <a:lvl1pPr eaLnBrk="0" fontAlgn="base" hangingPunct="0">
-              <a:spcBef>
-                <a:spcPct val="0"/>
-              </a:spcBef>
-              <a:spcAft>
-                <a:spcPct val="0"/>
-              </a:spcAft>
-              <a:defRPr>
-                <a:solidFill>
-                  <a:schemeClr val="tx1"/>
-                </a:solidFill>
-                <a:latin typeface="Arial" panose="020B0604020202020204" pitchFamily="34" charset="0"/>
-              </a:defRPr>
-            </a:lvl1pPr>
-            <a:lvl2pPr eaLnBrk="0" fontAlgn="base" hangingPunct="0">
-              <a:spcBef>
-                <a:spcPct val="0"/>
-              </a:spcBef>
-              <a:spcAft>
-                <a:spcPct val="0"/>
-              </a:spcAft>
-              <a:defRPr>
-                <a:solidFill>
-                  <a:schemeClr val="tx1"/>
-                </a:solidFill>
-                <a:latin typeface="Arial" panose="020B0604020202020204" pitchFamily="34" charset="0"/>
-              </a:defRPr>
-            </a:lvl2pPr>
-            <a:lvl3pPr eaLnBrk="0" fontAlgn="base" hangingPunct="0">
-              <a:spcBef>
-                <a:spcPct val="0"/>
-              </a:spcBef>
-              <a:spcAft>
-                <a:spcPct val="0"/>
-              </a:spcAft>
-              <a:defRPr>
-                <a:solidFill>
-                  <a:schemeClr val="tx1"/>
-                </a:solidFill>
-                <a:latin typeface="Arial" panose="020B0604020202020204" pitchFamily="34" charset="0"/>
-              </a:defRPr>
-            </a:lvl3pPr>
-            <a:lvl4pPr eaLnBrk="0" fontAlgn="base" hangingPunct="0">
-              <a:spcBef>
-                <a:spcPct val="0"/>
-              </a:spcBef>
-              <a:spcAft>
-                <a:spcPct val="0"/>
-              </a:spcAft>
-              <a:defRPr>
-                <a:solidFill>
-                  <a:schemeClr val="tx1"/>
-                </a:solidFill>
-                <a:latin typeface="Arial" panose="020B0604020202020204" pitchFamily="34" charset="0"/>
-              </a:defRPr>
-            </a:lvl4pPr>
-            <a:lvl5pPr eaLnBrk="0" fontAlgn="base" hangingPunct="0">
-              <a:spcBef>
-                <a:spcPct val="0"/>
-              </a:spcBef>
-              <a:spcAft>
-                <a:spcPct val="0"/>
-              </a:spcAft>
-              <a:defRPr>
-                <a:solidFill>
-                  <a:schemeClr val="tx1"/>
-                </a:solidFill>
-                <a:latin typeface="Arial" panose="020B0604020202020204" pitchFamily="34" charset="0"/>
-              </a:defRPr>
-            </a:lvl5pPr>
-            <a:lvl6pPr eaLnBrk="0" fontAlgn="base" hangingPunct="0">
-              <a:spcBef>
-                <a:spcPct val="0"/>
-              </a:spcBef>
-              <a:spcAft>
-                <a:spcPct val="0"/>
-              </a:spcAft>
-              <a:defRPr>
-                <a:solidFill>
-                  <a:schemeClr val="tx1"/>
-                </a:solidFill>
-                <a:latin typeface="Arial" panose="020B0604020202020204" pitchFamily="34" charset="0"/>
-              </a:defRPr>
-            </a:lvl6pPr>
-            <a:lvl7pPr eaLnBrk="0" fontAlgn="base" hangingPunct="0">
-              <a:spcBef>
-                <a:spcPct val="0"/>
-              </a:spcBef>
-              <a:spcAft>
-                <a:spcPct val="0"/>
-              </a:spcAft>
-              <a:defRPr>
-                <a:solidFill>
-                  <a:schemeClr val="tx1"/>
-                </a:solidFill>
-                <a:latin typeface="Arial" panose="020B0604020202020204" pitchFamily="34" charset="0"/>
-              </a:defRPr>
-            </a:lvl7pPr>
-            <a:lvl8pPr eaLnBrk="0" fontAlgn="base" hangingPunct="0">
-              <a:spcBef>
-                <a:spcPct val="0"/>
-              </a:spcBef>
-              <a:spcAft>
-                <a:spcPct val="0"/>
-              </a:spcAft>
-              <a:defRPr>
-                <a:solidFill>
-                  <a:schemeClr val="tx1"/>
-                </a:solidFill>
-                <a:latin typeface="Arial" panose="020B0604020202020204" pitchFamily="34" charset="0"/>
-              </a:defRPr>
-            </a:lvl8pPr>
-            <a:lvl9pPr eaLnBrk="0" fontAlgn="base" hangingPunct="0">
-              <a:spcBef>
-                <a:spcPct val="0"/>
-              </a:spcBef>
-              <a:spcAft>
-                <a:spcPct val="0"/>
-              </a:spcAft>
-              <a:defRPr>
-                <a:solidFill>
-                  <a:schemeClr val="tx1"/>
-                </a:solidFill>
-                <a:latin typeface="Arial" panose="020B0604020202020204" pitchFamily="34" charset="0"/>
-              </a:defRPr>
-            </a:lvl9pPr>
-          </a:lstStyle>
-          <a:p>
-            <a:pPr marL="0" marR="0" lvl="0" indent="0" algn="l" defTabSz="914400" rtl="0" eaLnBrk="0" fontAlgn="base" latinLnBrk="0" hangingPunct="0">
-              <a:lnSpc>
-                <a:spcPct val="100000"/>
-              </a:lnSpc>
-              <a:spcBef>
-                <a:spcPct val="0"/>
-              </a:spcBef>
-              <a:spcAft>
-                <a:spcPct val="0"/>
-              </a:spcAft>
-              <a:buClrTx/>
-              <a:buSzTx/>
-              <a:buFontTx/>
-              <a:buNone/>
-              <a:tabLst/>
-            </a:pPr>
-            <a:r>
-              <a:rPr kumimoji="0" lang="es-CO" altLang="es-CO" sz="1200" b="0" i="0" u="none" strike="noStrike" cap="none" normalizeH="0" baseline="0">
-                <a:ln>
-                  <a:noFill/>
-                </a:ln>
-                <a:solidFill>
-                  <a:srgbClr val="000000"/>
-                </a:solidFill>
-                <a:effectLst/>
-                <a:latin typeface="Arial Unicode MS" panose="020B0604020202020204" pitchFamily="34" charset="-128"/>
-                <a:ea typeface="Arial Unicode MS" panose="020B0604020202020204" pitchFamily="34" charset="-128"/>
-                <a:cs typeface="Arial Unicode MS" panose="020B0604020202020204" pitchFamily="34" charset="-128"/>
-              </a:rPr>
-              <a:t> </a:t>
-            </a:r>
-            <a:r>
-              <a:rPr kumimoji="0" lang="es-CO" altLang="es-CO" sz="900" b="0" i="0" u="none" strike="noStrike" cap="none" normalizeH="0" baseline="0">
-                <a:ln>
-                  <a:noFill/>
-                </a:ln>
-                <a:solidFill>
-                  <a:schemeClr val="tx1"/>
-                </a:solidFill>
-                <a:effectLst/>
-              </a:rPr>
-              <a:t>Intervenir</a:t>
-            </a:r>
-            <a:r>
-              <a:rPr kumimoji="0" lang="es-CO" altLang="es-CO" sz="1200" b="0" i="0" u="none" strike="noStrike" cap="none" normalizeH="0" baseline="0">
-                <a:ln>
-                  <a:noFill/>
-                </a:ln>
-                <a:solidFill>
-                  <a:srgbClr val="000000"/>
-                </a:solidFill>
-                <a:effectLst/>
-                <a:latin typeface="Arial Unicode MS" panose="020B0604020202020204" pitchFamily="34" charset="-128"/>
-                <a:ea typeface="Arial Unicode MS" panose="020B0604020202020204" pitchFamily="34" charset="-128"/>
-                <a:cs typeface="Arial Unicode MS" panose="020B0604020202020204" pitchFamily="34" charset="-128"/>
-              </a:rPr>
-              <a:t> </a:t>
-            </a:r>
-            <a:r>
-              <a:rPr kumimoji="0" lang="es-CO" altLang="es-CO" sz="900" b="0" i="0" u="none" strike="noStrike" cap="none" normalizeH="0" baseline="0">
-                <a:ln>
-                  <a:noFill/>
-                </a:ln>
-                <a:solidFill>
-                  <a:schemeClr val="tx1"/>
-                </a:solidFill>
-                <a:effectLst/>
-              </a:rPr>
-              <a:t>con</a:t>
-            </a:r>
-            <a:r>
-              <a:rPr kumimoji="0" lang="es-CO" altLang="es-CO" sz="1200" b="0" i="0" u="none" strike="noStrike" cap="none" normalizeH="0" baseline="0">
-                <a:ln>
-                  <a:noFill/>
-                </a:ln>
-                <a:solidFill>
-                  <a:srgbClr val="000000"/>
-                </a:solidFill>
-                <a:effectLst/>
-                <a:latin typeface="Arial Unicode MS" panose="020B0604020202020204" pitchFamily="34" charset="-128"/>
-                <a:ea typeface="Arial Unicode MS" panose="020B0604020202020204" pitchFamily="34" charset="-128"/>
-                <a:cs typeface="Arial Unicode MS" panose="020B0604020202020204" pitchFamily="34" charset="-128"/>
-              </a:rPr>
-              <a:t> </a:t>
-            </a:r>
-            <a:r>
-              <a:rPr kumimoji="0" lang="es-CO" altLang="es-CO" sz="900" b="0" i="0" u="none" strike="noStrike" cap="none" normalizeH="0" baseline="0">
-                <a:ln>
-                  <a:noFill/>
-                </a:ln>
-                <a:solidFill>
-                  <a:schemeClr val="tx1"/>
-                </a:solidFill>
-                <a:effectLst/>
-              </a:rPr>
-              <a:t>medios</a:t>
-            </a:r>
-            <a:r>
-              <a:rPr kumimoji="0" lang="es-CO" altLang="es-CO" sz="1200" b="0" i="0" u="none" strike="noStrike" cap="none" normalizeH="0" baseline="0">
-                <a:ln>
-                  <a:noFill/>
-                </a:ln>
-                <a:solidFill>
-                  <a:srgbClr val="000000"/>
-                </a:solidFill>
-                <a:effectLst/>
-                <a:latin typeface="Arial Unicode MS" panose="020B0604020202020204" pitchFamily="34" charset="-128"/>
-                <a:ea typeface="Arial Unicode MS" panose="020B0604020202020204" pitchFamily="34" charset="-128"/>
-                <a:cs typeface="Arial Unicode MS" panose="020B0604020202020204" pitchFamily="34" charset="-128"/>
-              </a:rPr>
-              <a:t> </a:t>
-            </a:r>
-            <a:r>
-              <a:rPr kumimoji="0" lang="es-CO" altLang="es-CO" sz="900" b="0" i="0" u="none" strike="noStrike" cap="none" normalizeH="0" baseline="0">
-                <a:ln>
-                  <a:noFill/>
-                </a:ln>
-                <a:solidFill>
-                  <a:schemeClr val="tx1"/>
-                </a:solidFill>
-                <a:effectLst/>
-              </a:rPr>
-              <a:t>hábiles</a:t>
-            </a:r>
-            <a:r>
-              <a:rPr kumimoji="0" lang="es-CO" altLang="es-CO" sz="1200" b="0" i="0" u="none" strike="noStrike" cap="none" normalizeH="0" baseline="0">
-                <a:ln>
-                  <a:noFill/>
-                </a:ln>
-                <a:solidFill>
-                  <a:srgbClr val="000000"/>
-                </a:solidFill>
-                <a:effectLst/>
-                <a:latin typeface="Arial Unicode MS" panose="020B0604020202020204" pitchFamily="34" charset="-128"/>
-                <a:ea typeface="Arial Unicode MS" panose="020B0604020202020204" pitchFamily="34" charset="-128"/>
-                <a:cs typeface="Arial Unicode MS" panose="020B0604020202020204" pitchFamily="34" charset="-128"/>
-              </a:rPr>
-              <a:t> </a:t>
-            </a:r>
-            <a:r>
-              <a:rPr kumimoji="0" lang="es-CO" altLang="es-CO" sz="900" b="0" i="0" u="none" strike="noStrike" cap="none" normalizeH="0" baseline="0">
-                <a:ln>
-                  <a:noFill/>
-                </a:ln>
-                <a:solidFill>
-                  <a:schemeClr val="tx1"/>
-                </a:solidFill>
-                <a:effectLst/>
-              </a:rPr>
-              <a:t>y</a:t>
-            </a:r>
-            <a:r>
-              <a:rPr kumimoji="0" lang="es-CO" altLang="es-CO" sz="1200" b="0" i="0" u="none" strike="noStrike" cap="none" normalizeH="0" baseline="0">
-                <a:ln>
-                  <a:noFill/>
-                </a:ln>
-                <a:solidFill>
-                  <a:srgbClr val="000000"/>
-                </a:solidFill>
-                <a:effectLst/>
-                <a:latin typeface="Arial Unicode MS" panose="020B0604020202020204" pitchFamily="34" charset="-128"/>
-                <a:ea typeface="Arial Unicode MS" panose="020B0604020202020204" pitchFamily="34" charset="-128"/>
-                <a:cs typeface="Arial Unicode MS" panose="020B0604020202020204" pitchFamily="34" charset="-128"/>
-              </a:rPr>
-              <a:t>, </a:t>
-            </a:r>
-            <a:r>
-              <a:rPr kumimoji="0" lang="es-CO" altLang="es-CO" sz="900" b="0" i="0" u="none" strike="noStrike" cap="none" normalizeH="0" baseline="0">
-                <a:ln>
-                  <a:noFill/>
-                </a:ln>
-                <a:solidFill>
-                  <a:schemeClr val="tx1"/>
-                </a:solidFill>
-                <a:effectLst/>
-              </a:rPr>
-              <a:t>a</a:t>
-            </a:r>
-            <a:r>
-              <a:rPr kumimoji="0" lang="es-CO" altLang="es-CO" sz="1200" b="0" i="0" u="none" strike="noStrike" cap="none" normalizeH="0" baseline="0">
-                <a:ln>
-                  <a:noFill/>
-                </a:ln>
-                <a:solidFill>
-                  <a:srgbClr val="000000"/>
-                </a:solidFill>
-                <a:effectLst/>
-                <a:latin typeface="Arial Unicode MS" panose="020B0604020202020204" pitchFamily="34" charset="-128"/>
-                <a:ea typeface="Arial Unicode MS" panose="020B0604020202020204" pitchFamily="34" charset="-128"/>
-                <a:cs typeface="Arial Unicode MS" panose="020B0604020202020204" pitchFamily="34" charset="-128"/>
-              </a:rPr>
-              <a:t> </a:t>
-            </a:r>
-            <a:r>
-              <a:rPr kumimoji="0" lang="es-CO" altLang="es-CO" sz="900" b="0" i="0" u="none" strike="noStrike" cap="none" normalizeH="0" baseline="0">
-                <a:ln>
-                  <a:noFill/>
-                </a:ln>
-                <a:solidFill>
-                  <a:schemeClr val="tx1"/>
-                </a:solidFill>
-                <a:effectLst/>
-              </a:rPr>
-              <a:t>veces</a:t>
-            </a:r>
-            <a:r>
-              <a:rPr kumimoji="0" lang="es-CO" altLang="es-CO" sz="1200" b="0" i="0" u="none" strike="noStrike" cap="none" normalizeH="0" baseline="0">
-                <a:ln>
-                  <a:noFill/>
-                </a:ln>
-                <a:solidFill>
-                  <a:srgbClr val="000000"/>
-                </a:solidFill>
-                <a:effectLst/>
-                <a:latin typeface="Arial Unicode MS" panose="020B0604020202020204" pitchFamily="34" charset="-128"/>
-                <a:ea typeface="Arial Unicode MS" panose="020B0604020202020204" pitchFamily="34" charset="-128"/>
-                <a:cs typeface="Arial Unicode MS" panose="020B0604020202020204" pitchFamily="34" charset="-128"/>
-              </a:rPr>
-              <a:t>, </a:t>
-            </a:r>
-            <a:r>
-              <a:rPr kumimoji="0" lang="es-CO" altLang="es-CO" sz="900" b="0" i="0" u="none" strike="noStrike" cap="none" normalizeH="0" baseline="0">
-                <a:ln>
-                  <a:noFill/>
-                </a:ln>
-                <a:solidFill>
-                  <a:schemeClr val="tx1"/>
-                </a:solidFill>
-                <a:effectLst/>
-              </a:rPr>
-              <a:t>arteros</a:t>
-            </a:r>
-            <a:r>
-              <a:rPr kumimoji="0" lang="es-CO" altLang="es-CO" sz="1200" b="0" i="0" u="none" strike="noStrike" cap="none" normalizeH="0" baseline="0">
-                <a:ln>
-                  <a:noFill/>
-                </a:ln>
-                <a:solidFill>
-                  <a:srgbClr val="000000"/>
-                </a:solidFill>
-                <a:effectLst/>
-                <a:latin typeface="Arial Unicode MS" panose="020B0604020202020204" pitchFamily="34" charset="-128"/>
-                <a:ea typeface="Arial Unicode MS" panose="020B0604020202020204" pitchFamily="34" charset="-128"/>
-                <a:cs typeface="Arial Unicode MS" panose="020B0604020202020204" pitchFamily="34" charset="-128"/>
-              </a:rPr>
-              <a:t>, </a:t>
-            </a:r>
-            <a:r>
-              <a:rPr kumimoji="0" lang="es-CO" altLang="es-CO" sz="900" b="0" i="0" u="none" strike="noStrike" cap="none" normalizeH="0" baseline="0">
-                <a:ln>
-                  <a:noFill/>
-                </a:ln>
-                <a:solidFill>
-                  <a:schemeClr val="tx1"/>
-                </a:solidFill>
-                <a:effectLst/>
-              </a:rPr>
-              <a:t>en</a:t>
-            </a:r>
-            <a:r>
-              <a:rPr kumimoji="0" lang="es-CO" altLang="es-CO" sz="1200" b="0" i="0" u="none" strike="noStrike" cap="none" normalizeH="0" baseline="0">
-                <a:ln>
-                  <a:noFill/>
-                </a:ln>
-                <a:solidFill>
-                  <a:srgbClr val="000000"/>
-                </a:solidFill>
-                <a:effectLst/>
-                <a:latin typeface="Arial Unicode MS" panose="020B0604020202020204" pitchFamily="34" charset="-128"/>
-                <a:ea typeface="Arial Unicode MS" panose="020B0604020202020204" pitchFamily="34" charset="-128"/>
-                <a:cs typeface="Arial Unicode MS" panose="020B0604020202020204" pitchFamily="34" charset="-128"/>
-              </a:rPr>
-              <a:t> </a:t>
-            </a:r>
-            <a:r>
-              <a:rPr kumimoji="0" lang="es-CO" altLang="es-CO" sz="900" b="0" i="0" u="none" strike="noStrike" cap="none" normalizeH="0" baseline="0">
-                <a:ln>
-                  <a:noFill/>
-                </a:ln>
-                <a:solidFill>
-                  <a:schemeClr val="tx1"/>
-                </a:solidFill>
-                <a:effectLst/>
-              </a:rPr>
-              <a:t>la</a:t>
-            </a:r>
-            <a:r>
-              <a:rPr kumimoji="0" lang="es-CO" altLang="es-CO" sz="1200" b="0" i="0" u="none" strike="noStrike" cap="none" normalizeH="0" baseline="0">
-                <a:ln>
-                  <a:noFill/>
-                </a:ln>
-                <a:solidFill>
-                  <a:srgbClr val="000000"/>
-                </a:solidFill>
-                <a:effectLst/>
-                <a:latin typeface="Arial Unicode MS" panose="020B0604020202020204" pitchFamily="34" charset="-128"/>
-                <a:ea typeface="Arial Unicode MS" panose="020B0604020202020204" pitchFamily="34" charset="-128"/>
-                <a:cs typeface="Arial Unicode MS" panose="020B0604020202020204" pitchFamily="34" charset="-128"/>
-              </a:rPr>
-              <a:t> </a:t>
-            </a:r>
-            <a:r>
-              <a:rPr kumimoji="0" lang="es-CO" altLang="es-CO" sz="900" b="0" i="0" u="none" strike="noStrike" cap="none" normalizeH="0" baseline="0">
-                <a:ln>
-                  <a:noFill/>
-                </a:ln>
-                <a:solidFill>
-                  <a:schemeClr val="tx1"/>
-                </a:solidFill>
-                <a:effectLst/>
-              </a:rPr>
-              <a:t>política</a:t>
-            </a:r>
-            <a:r>
-              <a:rPr kumimoji="0" lang="es-CO" altLang="es-CO" sz="1200" b="0" i="0" u="none" strike="noStrike" cap="none" normalizeH="0" baseline="0">
-                <a:ln>
-                  <a:noFill/>
-                </a:ln>
-                <a:solidFill>
-                  <a:srgbClr val="000000"/>
-                </a:solidFill>
-                <a:effectLst/>
-                <a:latin typeface="Arial Unicode MS" panose="020B0604020202020204" pitchFamily="34" charset="-128"/>
-                <a:ea typeface="Arial Unicode MS" panose="020B0604020202020204" pitchFamily="34" charset="-128"/>
-                <a:cs typeface="Arial Unicode MS" panose="020B0604020202020204" pitchFamily="34" charset="-128"/>
-              </a:rPr>
-              <a:t>, </a:t>
-            </a:r>
-            <a:r>
-              <a:rPr kumimoji="0" lang="es-CO" altLang="es-CO" sz="900" b="0" i="0" u="none" strike="noStrike" cap="none" normalizeH="0" baseline="0">
-                <a:ln>
-                  <a:noFill/>
-                </a:ln>
-                <a:solidFill>
-                  <a:schemeClr val="tx1"/>
-                </a:solidFill>
-                <a:effectLst/>
-              </a:rPr>
-              <a:t>en</a:t>
-            </a:r>
-            <a:r>
-              <a:rPr kumimoji="0" lang="es-CO" altLang="es-CO" sz="1200" b="0" i="0" u="none" strike="noStrike" cap="none" normalizeH="0" baseline="0">
-                <a:ln>
-                  <a:noFill/>
-                </a:ln>
-                <a:solidFill>
-                  <a:srgbClr val="000000"/>
-                </a:solidFill>
-                <a:effectLst/>
-                <a:latin typeface="Arial Unicode MS" panose="020B0604020202020204" pitchFamily="34" charset="-128"/>
-                <a:ea typeface="Arial Unicode MS" panose="020B0604020202020204" pitchFamily="34" charset="-128"/>
-                <a:cs typeface="Arial Unicode MS" panose="020B0604020202020204" pitchFamily="34" charset="-128"/>
-              </a:rPr>
-              <a:t> </a:t>
-            </a:r>
-            <a:r>
-              <a:rPr kumimoji="0" lang="es-CO" altLang="es-CO" sz="900" b="0" i="0" u="none" strike="noStrike" cap="none" normalizeH="0" baseline="0">
-                <a:ln>
-                  <a:noFill/>
-                </a:ln>
-                <a:solidFill>
-                  <a:schemeClr val="tx1"/>
-                </a:solidFill>
-                <a:effectLst/>
-              </a:rPr>
-              <a:t>el</a:t>
-            </a:r>
-            <a:r>
-              <a:rPr kumimoji="0" lang="es-CO" altLang="es-CO" sz="1800" b="0" i="0" u="none" strike="noStrike" cap="none" normalizeH="0" baseline="0">
-                <a:ln>
-                  <a:noFill/>
-                </a:ln>
-                <a:solidFill>
-                  <a:schemeClr val="tx1"/>
-                </a:solidFill>
-                <a:effectLst/>
-                <a:latin typeface="Arial" panose="020B0604020202020204" pitchFamily="34" charset="0"/>
-              </a:rPr>
-              <a:t>mercado</a:t>
-            </a:r>
-            <a:r>
-              <a:rPr kumimoji="0" lang="es-CO" altLang="es-CO" sz="1200" b="0" i="0" u="none" strike="noStrike" cap="none" normalizeH="0" baseline="0">
-                <a:ln>
-                  <a:noFill/>
-                </a:ln>
-                <a:solidFill>
-                  <a:srgbClr val="000000"/>
-                </a:solidFill>
-                <a:effectLst/>
-                <a:latin typeface="Arial Unicode MS" panose="020B0604020202020204" pitchFamily="34" charset="-128"/>
-                <a:ea typeface="Arial Unicode MS" panose="020B0604020202020204" pitchFamily="34" charset="-128"/>
-                <a:cs typeface="Arial Unicode MS" panose="020B0604020202020204" pitchFamily="34" charset="-128"/>
-              </a:rPr>
-              <a:t>, </a:t>
-            </a:r>
-            <a:r>
-              <a:rPr kumimoji="0" lang="es-CO" altLang="es-CO" sz="900" b="0" i="0" u="none" strike="noStrike" cap="none" normalizeH="0" baseline="0">
-                <a:ln>
-                  <a:noFill/>
-                </a:ln>
-                <a:solidFill>
-                  <a:schemeClr val="tx1"/>
-                </a:solidFill>
-                <a:effectLst/>
-              </a:rPr>
-              <a:t>en</a:t>
-            </a:r>
-            <a:r>
-              <a:rPr kumimoji="0" lang="es-CO" altLang="es-CO" sz="1200" b="0" i="0" u="none" strike="noStrike" cap="none" normalizeH="0" baseline="0">
-                <a:ln>
-                  <a:noFill/>
-                </a:ln>
-                <a:solidFill>
-                  <a:srgbClr val="000000"/>
-                </a:solidFill>
-                <a:effectLst/>
-                <a:latin typeface="Arial Unicode MS" panose="020B0604020202020204" pitchFamily="34" charset="-128"/>
-                <a:ea typeface="Arial Unicode MS" panose="020B0604020202020204" pitchFamily="34" charset="-128"/>
-                <a:cs typeface="Arial Unicode MS" panose="020B0604020202020204" pitchFamily="34" charset="-128"/>
-              </a:rPr>
-              <a:t> </a:t>
-            </a:r>
-            <a:r>
-              <a:rPr kumimoji="0" lang="es-CO" altLang="es-CO" sz="900" b="0" i="0" u="none" strike="noStrike" cap="none" normalizeH="0" baseline="0">
-                <a:ln>
-                  <a:noFill/>
-                </a:ln>
-                <a:solidFill>
-                  <a:schemeClr val="tx1"/>
-                </a:solidFill>
-                <a:effectLst/>
-              </a:rPr>
-              <a:t>la</a:t>
-            </a:r>
-            <a:r>
-              <a:rPr kumimoji="0" lang="es-CO" altLang="es-CO" sz="1200" b="0" i="0" u="none" strike="noStrike" cap="none" normalizeH="0" baseline="0">
-                <a:ln>
-                  <a:noFill/>
-                </a:ln>
-                <a:solidFill>
-                  <a:srgbClr val="000000"/>
-                </a:solidFill>
-                <a:effectLst/>
-                <a:latin typeface="Arial Unicode MS" panose="020B0604020202020204" pitchFamily="34" charset="-128"/>
-                <a:ea typeface="Arial Unicode MS" panose="020B0604020202020204" pitchFamily="34" charset="-128"/>
-                <a:cs typeface="Arial Unicode MS" panose="020B0604020202020204" pitchFamily="34" charset="-128"/>
-              </a:rPr>
-              <a:t> </a:t>
-            </a:r>
-            <a:r>
-              <a:rPr kumimoji="0" lang="es-CO" altLang="es-CO" sz="900" b="0" i="0" u="none" strike="noStrike" cap="none" normalizeH="0" baseline="0">
-                <a:ln>
-                  <a:noFill/>
-                </a:ln>
-                <a:solidFill>
-                  <a:schemeClr val="tx1"/>
-                </a:solidFill>
-                <a:effectLst/>
-              </a:rPr>
-              <a:t>información</a:t>
-            </a:r>
-            <a:r>
-              <a:rPr kumimoji="0" lang="es-CO" altLang="es-CO" sz="1200" b="0" i="0" u="none" strike="noStrike" cap="none" normalizeH="0" baseline="0">
-                <a:ln>
-                  <a:noFill/>
-                </a:ln>
-                <a:solidFill>
-                  <a:srgbClr val="000000"/>
-                </a:solidFill>
-                <a:effectLst/>
-                <a:latin typeface="Arial Unicode MS" panose="020B0604020202020204" pitchFamily="34" charset="-128"/>
-                <a:ea typeface="Arial Unicode MS" panose="020B0604020202020204" pitchFamily="34" charset="-128"/>
-                <a:cs typeface="Arial Unicode MS" panose="020B0604020202020204" pitchFamily="34" charset="-128"/>
-              </a:rPr>
-              <a:t>, </a:t>
-            </a:r>
-            <a:r>
-              <a:rPr kumimoji="0" lang="es-CO" altLang="es-CO" sz="900" b="0" i="0" u="none" strike="noStrike" cap="none" normalizeH="0" baseline="0">
-                <a:ln>
-                  <a:noFill/>
-                </a:ln>
-                <a:solidFill>
-                  <a:schemeClr val="tx1"/>
-                </a:solidFill>
-                <a:effectLst/>
-              </a:rPr>
-              <a:t>etc.,</a:t>
-            </a:r>
-            <a:r>
-              <a:rPr kumimoji="0" lang="es-CO" altLang="es-CO" sz="1200" b="0" i="0" u="none" strike="noStrike" cap="none" normalizeH="0" baseline="0">
-                <a:ln>
-                  <a:noFill/>
-                </a:ln>
-                <a:solidFill>
-                  <a:srgbClr val="000000"/>
-                </a:solidFill>
-                <a:effectLst/>
-                <a:latin typeface="Arial Unicode MS" panose="020B0604020202020204" pitchFamily="34" charset="-128"/>
-                <a:ea typeface="Arial Unicode MS" panose="020B0604020202020204" pitchFamily="34" charset="-128"/>
-                <a:cs typeface="Arial Unicode MS" panose="020B0604020202020204" pitchFamily="34" charset="-128"/>
-              </a:rPr>
-              <a:t> </a:t>
-            </a:r>
-            <a:r>
-              <a:rPr kumimoji="0" lang="es-CO" altLang="es-CO" sz="900" b="0" i="0" u="none" strike="noStrike" cap="none" normalizeH="0" baseline="0">
-                <a:ln>
-                  <a:noFill/>
-                </a:ln>
-                <a:solidFill>
-                  <a:schemeClr val="tx1"/>
-                </a:solidFill>
-                <a:effectLst/>
-              </a:rPr>
-              <a:t>con</a:t>
-            </a:r>
-            <a:r>
-              <a:rPr kumimoji="0" lang="es-CO" altLang="es-CO" sz="1200" b="0" i="0" u="none" strike="noStrike" cap="none" normalizeH="0" baseline="0">
-                <a:ln>
-                  <a:noFill/>
-                </a:ln>
-                <a:solidFill>
-                  <a:srgbClr val="000000"/>
-                </a:solidFill>
-                <a:effectLst/>
-                <a:latin typeface="Arial Unicode MS" panose="020B0604020202020204" pitchFamily="34" charset="-128"/>
-                <a:ea typeface="Arial Unicode MS" panose="020B0604020202020204" pitchFamily="34" charset="-128"/>
-                <a:cs typeface="Arial Unicode MS" panose="020B0604020202020204" pitchFamily="34" charset="-128"/>
-              </a:rPr>
-              <a:t> </a:t>
-            </a:r>
-            <a:r>
-              <a:rPr kumimoji="0" lang="es-CO" altLang="es-CO" sz="900" b="0" i="0" u="none" strike="noStrike" cap="none" normalizeH="0" baseline="0">
-                <a:ln>
-                  <a:noFill/>
-                </a:ln>
-                <a:solidFill>
-                  <a:schemeClr val="tx1"/>
-                </a:solidFill>
-                <a:effectLst/>
-              </a:rPr>
-              <a:t>distorsión</a:t>
-            </a:r>
-            <a:r>
-              <a:rPr kumimoji="0" lang="es-CO" altLang="es-CO" sz="1200" b="0" i="0" u="none" strike="noStrike" cap="none" normalizeH="0" baseline="0">
-                <a:ln>
-                  <a:noFill/>
-                </a:ln>
-                <a:solidFill>
-                  <a:srgbClr val="000000"/>
-                </a:solidFill>
-                <a:effectLst/>
-                <a:latin typeface="Arial Unicode MS" panose="020B0604020202020204" pitchFamily="34" charset="-128"/>
-                <a:ea typeface="Arial Unicode MS" panose="020B0604020202020204" pitchFamily="34" charset="-128"/>
-                <a:cs typeface="Arial Unicode MS" panose="020B0604020202020204" pitchFamily="34" charset="-128"/>
-              </a:rPr>
-              <a:t> </a:t>
-            </a:r>
-            <a:r>
-              <a:rPr kumimoji="0" lang="es-CO" altLang="es-CO" sz="900" b="0" i="0" u="none" strike="noStrike" cap="none" normalizeH="0" baseline="0">
-                <a:ln>
-                  <a:noFill/>
-                </a:ln>
-                <a:solidFill>
-                  <a:schemeClr val="tx1"/>
-                </a:solidFill>
-                <a:effectLst/>
-              </a:rPr>
-              <a:t>de</a:t>
-            </a:r>
-            <a:r>
-              <a:rPr kumimoji="0" lang="es-CO" altLang="es-CO" sz="1200" b="0" i="0" u="none" strike="noStrike" cap="none" normalizeH="0" baseline="0">
-                <a:ln>
-                  <a:noFill/>
-                </a:ln>
-                <a:solidFill>
-                  <a:srgbClr val="000000"/>
-                </a:solidFill>
-                <a:effectLst/>
-                <a:latin typeface="Arial Unicode MS" panose="020B0604020202020204" pitchFamily="34" charset="-128"/>
-                <a:ea typeface="Arial Unicode MS" panose="020B0604020202020204" pitchFamily="34" charset="-128"/>
-                <a:cs typeface="Arial Unicode MS" panose="020B0604020202020204" pitchFamily="34" charset="-128"/>
-              </a:rPr>
-              <a:t> </a:t>
-            </a:r>
-            <a:r>
-              <a:rPr kumimoji="0" lang="es-CO" altLang="es-CO" sz="900" b="0" i="0" u="none" strike="noStrike" cap="none" normalizeH="0" baseline="0">
-                <a:ln>
-                  <a:noFill/>
-                </a:ln>
-                <a:solidFill>
-                  <a:schemeClr val="tx1"/>
-                </a:solidFill>
-                <a:effectLst/>
-              </a:rPr>
-              <a:t>la</a:t>
-            </a:r>
-            <a:r>
-              <a:rPr kumimoji="0" lang="es-CO" altLang="es-CO" sz="1200" b="0" i="0" u="none" strike="noStrike" cap="none" normalizeH="0" baseline="0">
-                <a:ln>
-                  <a:noFill/>
-                </a:ln>
-                <a:solidFill>
-                  <a:srgbClr val="000000"/>
-                </a:solidFill>
-                <a:effectLst/>
-                <a:latin typeface="Arial Unicode MS" panose="020B0604020202020204" pitchFamily="34" charset="-128"/>
-                <a:ea typeface="Arial Unicode MS" panose="020B0604020202020204" pitchFamily="34" charset="-128"/>
-                <a:cs typeface="Arial Unicode MS" panose="020B0604020202020204" pitchFamily="34" charset="-128"/>
-              </a:rPr>
-              <a:t> </a:t>
-            </a:r>
-            <a:r>
-              <a:rPr kumimoji="0" lang="es-CO" altLang="es-CO" sz="900" b="0" i="0" u="none" strike="noStrike" cap="none" normalizeH="0" baseline="0">
-                <a:ln>
-                  <a:noFill/>
-                </a:ln>
-                <a:solidFill>
-                  <a:schemeClr val="tx1"/>
-                </a:solidFill>
-                <a:effectLst/>
-              </a:rPr>
-              <a:t>verdad</a:t>
-            </a:r>
-            <a:r>
-              <a:rPr kumimoji="0" lang="es-CO" altLang="es-CO" sz="1200" b="0" i="0" u="none" strike="noStrike" cap="none" normalizeH="0" baseline="0">
-                <a:ln>
-                  <a:noFill/>
-                </a:ln>
-                <a:solidFill>
-                  <a:srgbClr val="000000"/>
-                </a:solidFill>
-                <a:effectLst/>
-                <a:latin typeface="Arial Unicode MS" panose="020B0604020202020204" pitchFamily="34" charset="-128"/>
-                <a:ea typeface="Arial Unicode MS" panose="020B0604020202020204" pitchFamily="34" charset="-128"/>
-                <a:cs typeface="Arial Unicode MS" panose="020B0604020202020204" pitchFamily="34" charset="-128"/>
-              </a:rPr>
-              <a:t> </a:t>
-            </a:r>
-            <a:r>
-              <a:rPr kumimoji="0" lang="es-CO" altLang="es-CO" sz="900" b="0" i="0" u="none" strike="noStrike" cap="none" normalizeH="0" baseline="0">
-                <a:ln>
-                  <a:noFill/>
-                </a:ln>
-                <a:solidFill>
-                  <a:schemeClr val="tx1"/>
-                </a:solidFill>
-                <a:effectLst/>
-              </a:rPr>
-              <a:t>o</a:t>
-            </a:r>
-            <a:r>
-              <a:rPr kumimoji="0" lang="es-CO" altLang="es-CO" sz="1200" b="0" i="0" u="none" strike="noStrike" cap="none" normalizeH="0" baseline="0">
-                <a:ln>
-                  <a:noFill/>
-                </a:ln>
-                <a:solidFill>
-                  <a:srgbClr val="000000"/>
-                </a:solidFill>
-                <a:effectLst/>
-                <a:latin typeface="Arial Unicode MS" panose="020B0604020202020204" pitchFamily="34" charset="-128"/>
-                <a:ea typeface="Arial Unicode MS" panose="020B0604020202020204" pitchFamily="34" charset="-128"/>
-                <a:cs typeface="Arial Unicode MS" panose="020B0604020202020204" pitchFamily="34" charset="-128"/>
-              </a:rPr>
-              <a:t> </a:t>
-            </a:r>
-            <a:r>
-              <a:rPr kumimoji="0" lang="es-CO" altLang="es-CO" sz="900" b="0" i="0" u="none" strike="noStrike" cap="none" normalizeH="0" baseline="0">
-                <a:ln>
-                  <a:noFill/>
-                </a:ln>
-                <a:solidFill>
-                  <a:schemeClr val="tx1"/>
-                </a:solidFill>
-                <a:effectLst/>
-              </a:rPr>
-              <a:t>la</a:t>
-            </a:r>
-            <a:r>
-              <a:rPr kumimoji="0" lang="es-CO" altLang="es-CO" sz="1200" b="0" i="0" u="none" strike="noStrike" cap="none" normalizeH="0" baseline="0">
-                <a:ln>
-                  <a:noFill/>
-                </a:ln>
-                <a:solidFill>
-                  <a:srgbClr val="000000"/>
-                </a:solidFill>
-                <a:effectLst/>
-                <a:latin typeface="Arial Unicode MS" panose="020B0604020202020204" pitchFamily="34" charset="-128"/>
-                <a:ea typeface="Arial Unicode MS" panose="020B0604020202020204" pitchFamily="34" charset="-128"/>
-                <a:cs typeface="Arial Unicode MS" panose="020B0604020202020204" pitchFamily="34" charset="-128"/>
-              </a:rPr>
-              <a:t> </a:t>
-            </a:r>
-            <a:r>
-              <a:rPr kumimoji="0" lang="es-CO" altLang="es-CO" sz="900" b="0" i="0" u="none" strike="noStrike" cap="none" normalizeH="0" baseline="0">
-                <a:ln>
-                  <a:noFill/>
-                </a:ln>
-                <a:solidFill>
-                  <a:schemeClr val="tx1"/>
-                </a:solidFill>
-                <a:effectLst/>
-              </a:rPr>
-              <a:t>justicia</a:t>
-            </a:r>
-            <a:r>
-              <a:rPr kumimoji="0" lang="es-CO" altLang="es-CO" sz="1200" b="0" i="0" u="none" strike="noStrike" cap="none" normalizeH="0" baseline="0">
-                <a:ln>
-                  <a:noFill/>
-                </a:ln>
-                <a:solidFill>
-                  <a:srgbClr val="000000"/>
-                </a:solidFill>
-                <a:effectLst/>
-                <a:latin typeface="Arial Unicode MS" panose="020B0604020202020204" pitchFamily="34" charset="-128"/>
-                <a:ea typeface="Arial Unicode MS" panose="020B0604020202020204" pitchFamily="34" charset="-128"/>
-                <a:cs typeface="Arial Unicode MS" panose="020B0604020202020204" pitchFamily="34" charset="-128"/>
-              </a:rPr>
-              <a:t>, </a:t>
-            </a:r>
-            <a:r>
-              <a:rPr kumimoji="0" lang="es-CO" altLang="es-CO" sz="900" b="0" i="0" u="none" strike="noStrike" cap="none" normalizeH="0" baseline="0">
-                <a:ln>
-                  <a:noFill/>
-                </a:ln>
-                <a:solidFill>
-                  <a:schemeClr val="tx1"/>
-                </a:solidFill>
-                <a:effectLst/>
-              </a:rPr>
-              <a:t>y</a:t>
-            </a:r>
-            <a:r>
-              <a:rPr kumimoji="0" lang="es-CO" altLang="es-CO" sz="1200" b="0" i="0" u="none" strike="noStrike" cap="none" normalizeH="0" baseline="0">
-                <a:ln>
-                  <a:noFill/>
-                </a:ln>
-                <a:solidFill>
-                  <a:srgbClr val="000000"/>
-                </a:solidFill>
-                <a:effectLst/>
-                <a:latin typeface="Arial Unicode MS" panose="020B0604020202020204" pitchFamily="34" charset="-128"/>
-                <a:ea typeface="Arial Unicode MS" panose="020B0604020202020204" pitchFamily="34" charset="-128"/>
-                <a:cs typeface="Arial Unicode MS" panose="020B0604020202020204" pitchFamily="34" charset="-128"/>
-              </a:rPr>
-              <a:t> </a:t>
-            </a:r>
-            <a:r>
-              <a:rPr kumimoji="0" lang="es-CO" altLang="es-CO" sz="900" b="0" i="0" u="none" strike="noStrike" cap="none" normalizeH="0" baseline="0">
-                <a:ln>
-                  <a:noFill/>
-                </a:ln>
-                <a:solidFill>
-                  <a:schemeClr val="tx1"/>
-                </a:solidFill>
-                <a:effectLst/>
-              </a:rPr>
-              <a:t>al</a:t>
-            </a:r>
-            <a:r>
-              <a:rPr kumimoji="0" lang="es-CO" altLang="es-CO" sz="1800" b="0" i="0" u="none" strike="noStrike" cap="none" normalizeH="0" baseline="0">
-                <a:ln>
-                  <a:noFill/>
-                </a:ln>
-                <a:solidFill>
-                  <a:schemeClr val="tx1"/>
-                </a:solidFill>
-                <a:effectLst/>
-                <a:latin typeface="Arial" panose="020B0604020202020204" pitchFamily="34" charset="0"/>
-              </a:rPr>
-              <a:t>servicio</a:t>
-            </a:r>
-            <a:r>
-              <a:rPr kumimoji="0" lang="es-CO" altLang="es-CO" sz="1200" b="0" i="0" u="none" strike="noStrike" cap="none" normalizeH="0" baseline="0">
-                <a:ln>
-                  <a:noFill/>
-                </a:ln>
-                <a:solidFill>
-                  <a:srgbClr val="000000"/>
-                </a:solidFill>
-                <a:effectLst/>
-                <a:latin typeface="Arial Unicode MS" panose="020B0604020202020204" pitchFamily="34" charset="-128"/>
-                <a:ea typeface="Arial Unicode MS" panose="020B0604020202020204" pitchFamily="34" charset="-128"/>
-                <a:cs typeface="Arial Unicode MS" panose="020B0604020202020204" pitchFamily="34" charset="-128"/>
-              </a:rPr>
-              <a:t> </a:t>
-            </a:r>
-            <a:r>
-              <a:rPr kumimoji="0" lang="es-CO" altLang="es-CO" sz="900" b="0" i="0" u="none" strike="noStrike" cap="none" normalizeH="0" baseline="0">
-                <a:ln>
-                  <a:noFill/>
-                </a:ln>
-                <a:solidFill>
-                  <a:schemeClr val="tx1"/>
-                </a:solidFill>
-                <a:effectLst/>
-              </a:rPr>
-              <a:t>de</a:t>
-            </a:r>
-            <a:r>
-              <a:rPr kumimoji="0" lang="es-CO" altLang="es-CO" sz="1200" b="0" i="0" u="none" strike="noStrike" cap="none" normalizeH="0" baseline="0">
-                <a:ln>
-                  <a:noFill/>
-                </a:ln>
-                <a:solidFill>
-                  <a:srgbClr val="000000"/>
-                </a:solidFill>
-                <a:effectLst/>
-                <a:latin typeface="Arial Unicode MS" panose="020B0604020202020204" pitchFamily="34" charset="-128"/>
-                <a:ea typeface="Arial Unicode MS" panose="020B0604020202020204" pitchFamily="34" charset="-128"/>
-                <a:cs typeface="Arial Unicode MS" panose="020B0604020202020204" pitchFamily="34" charset="-128"/>
-              </a:rPr>
-              <a:t> </a:t>
-            </a:r>
-            <a:r>
-              <a:rPr kumimoji="0" lang="es-CO" altLang="es-CO" sz="900" b="0" i="0" u="none" strike="noStrike" cap="none" normalizeH="0" baseline="0">
-                <a:ln>
-                  <a:noFill/>
-                </a:ln>
-                <a:solidFill>
-                  <a:schemeClr val="tx1"/>
-                </a:solidFill>
-                <a:effectLst/>
-              </a:rPr>
-              <a:t>intereses</a:t>
-            </a:r>
-            <a:r>
-              <a:rPr kumimoji="0" lang="es-CO" altLang="es-CO" sz="1200" b="0" i="0" u="none" strike="noStrike" cap="none" normalizeH="0" baseline="0">
-                <a:ln>
-                  <a:noFill/>
-                </a:ln>
-                <a:solidFill>
-                  <a:srgbClr val="000000"/>
-                </a:solidFill>
-                <a:effectLst/>
-                <a:latin typeface="Arial Unicode MS" panose="020B0604020202020204" pitchFamily="34" charset="-128"/>
-                <a:ea typeface="Arial Unicode MS" panose="020B0604020202020204" pitchFamily="34" charset="-128"/>
-                <a:cs typeface="Arial Unicode MS" panose="020B0604020202020204" pitchFamily="34" charset="-128"/>
-              </a:rPr>
-              <a:t> </a:t>
-            </a:r>
-            <a:r>
-              <a:rPr kumimoji="0" lang="es-CO" altLang="es-CO" sz="900" b="0" i="0" u="none" strike="noStrike" cap="none" normalizeH="0" baseline="0">
-                <a:ln>
-                  <a:noFill/>
-                </a:ln>
-                <a:solidFill>
-                  <a:schemeClr val="tx1"/>
-                </a:solidFill>
-                <a:effectLst/>
-              </a:rPr>
-              <a:t>particulares</a:t>
-            </a:r>
-            <a:r>
-              <a:rPr kumimoji="0" lang="es-CO" altLang="es-CO" sz="1200" b="0" i="0" u="none" strike="noStrike" cap="none" normalizeH="0" baseline="0">
-                <a:ln>
-                  <a:noFill/>
-                </a:ln>
-                <a:solidFill>
-                  <a:srgbClr val="000000"/>
-                </a:solidFill>
-                <a:effectLst/>
-                <a:latin typeface="Arial Unicode MS" panose="020B0604020202020204" pitchFamily="34" charset="-128"/>
-                <a:ea typeface="Arial Unicode MS" panose="020B0604020202020204" pitchFamily="34" charset="-128"/>
-                <a:cs typeface="Arial Unicode MS" panose="020B0604020202020204" pitchFamily="34" charset="-128"/>
-              </a:rPr>
-              <a:t>.</a:t>
-            </a:r>
-            <a:r>
-              <a:rPr kumimoji="0" lang="es-CO" altLang="es-CO" sz="900" b="0" i="0" u="none" strike="noStrike" cap="none" normalizeH="0" baseline="0">
-                <a:ln>
-                  <a:noFill/>
-                </a:ln>
-                <a:solidFill>
-                  <a:schemeClr val="tx1"/>
-                </a:solidFill>
-                <a:effectLst/>
-              </a:rPr>
-              <a:t> </a:t>
-            </a:r>
-            <a:endParaRPr kumimoji="0" lang="es-CO" altLang="es-CO" sz="1800" b="0" i="0" u="none" strike="noStrike" cap="none" normalizeH="0" baseline="0">
-              <a:ln>
-                <a:noFill/>
-              </a:ln>
-              <a:solidFill>
-                <a:schemeClr val="tx1"/>
-              </a:solidFill>
-              <a:effectLst/>
-              <a:latin typeface="Arial" panose="020B0604020202020204" pitchFamily="34" charset="0"/>
-            </a:endParaRPr>
-          </a:p>
-        </p:txBody>
-      </p:sp>
-    </p:spTree>
-    <p:extLst>
-      <p:ext uri="{BB962C8B-B14F-4D97-AF65-F5344CB8AC3E}">
-        <p14:creationId xmlns:p14="http://schemas.microsoft.com/office/powerpoint/2010/main" val="2705933996"/>
-      </p:ext>
-    </p:extLst>
-  </p:cSld>
-  <p:clrMapOvr>
-    <a:masterClrMapping/>
-  </p:clrMapOvr>
-</p:sld>
-</file>
-
-<file path=ppt/slides/slide6.xml><?xml version="1.0" encoding="utf-8"?>
-<p:sld xmlns:a="http://schemas.openxmlformats.org/drawingml/2006/main" xmlns:r="http://schemas.openxmlformats.org/officeDocument/2006/relationships" xmlns:p="http://schemas.openxmlformats.org/presentationml/2006/main">
-  <p:cSld>
-    <p:spTree>
-      <p:nvGrpSpPr>
-        <p:cNvPr id="1" name=""/>
-        <p:cNvGrpSpPr/>
-        <p:nvPr/>
-      </p:nvGrpSpPr>
-      <p:grpSpPr>
-        <a:xfrm>
-          <a:off x="0" y="0"/>
-          <a:ext cx="0" cy="0"/>
-          <a:chOff x="0" y="0"/>
-          <a:chExt cx="0" cy="0"/>
-        </a:xfrm>
-      </p:grpSpPr>
-      <p:sp>
-        <p:nvSpPr>
           <p:cNvPr id="3" name="Marcador de contenido 2"/>
           <p:cNvSpPr>
             <a:spLocks noGrp="1"/>
@@ -5481,7 +4225,7 @@
           <a:p>
             <a:fld id="{FF3034EF-BFAE-4255-A656-297DAB7FEC3B}" type="slidenum">
               <a:rPr lang="es-CO" smtClean="0"/>
-              <a:t>6</a:t>
+              <a:t>12</a:t>
             </a:fld>
             <a:endParaRPr lang="es-CO"/>
           </a:p>
@@ -5538,10 +4282,17 @@
   <p:clrMapOvr>
     <a:masterClrMapping/>
   </p:clrMapOvr>
+  <p:timing>
+    <p:tnLst>
+      <p:par>
+        <p:cTn id="1" dur="indefinite" restart="never" nodeType="tmRoot"/>
+      </p:par>
+    </p:tnLst>
+  </p:timing>
 </p:sld>
 </file>
 
-<file path=ppt/slides/slide7.xml><?xml version="1.0" encoding="utf-8"?>
+<file path=ppt/slides/slide13.xml><?xml version="1.0" encoding="utf-8"?>
 <p:sld xmlns:a="http://schemas.openxmlformats.org/drawingml/2006/main" xmlns:r="http://schemas.openxmlformats.org/officeDocument/2006/relationships" xmlns:p="http://schemas.openxmlformats.org/presentationml/2006/main">
   <p:cSld>
     <p:spTree>
@@ -5623,7 +4374,7 @@
           <a:p>
             <a:fld id="{FF3034EF-BFAE-4255-A656-297DAB7FEC3B}" type="slidenum">
               <a:rPr lang="es-CO" smtClean="0"/>
-              <a:t>7</a:t>
+              <a:t>13</a:t>
             </a:fld>
             <a:endParaRPr lang="es-CO"/>
           </a:p>
@@ -5716,6 +4467,2113 @@
             </p:video>
           </p:childTnLst>
         </p:cTn>
+      </p:par>
+    </p:tnLst>
+  </p:timing>
+</p:sld>
+</file>
+
+<file path=ppt/slides/slide2.xml><?xml version="1.0" encoding="utf-8"?>
+<p:sld xmlns:a="http://schemas.openxmlformats.org/drawingml/2006/main" xmlns:r="http://schemas.openxmlformats.org/officeDocument/2006/relationships" xmlns:p="http://schemas.openxmlformats.org/presentationml/2006/main">
+  <p:cSld>
+    <p:spTree>
+      <p:nvGrpSpPr>
+        <p:cNvPr id="1" name=""/>
+        <p:cNvGrpSpPr/>
+        <p:nvPr/>
+      </p:nvGrpSpPr>
+      <p:grpSpPr>
+        <a:xfrm>
+          <a:off x="0" y="0"/>
+          <a:ext cx="0" cy="0"/>
+          <a:chOff x="0" y="0"/>
+          <a:chExt cx="0" cy="0"/>
+        </a:xfrm>
+      </p:grpSpPr>
+      <p:sp>
+        <p:nvSpPr>
+          <p:cNvPr id="4" name="Marcador de número de diapositiva 3"/>
+          <p:cNvSpPr>
+            <a:spLocks noGrp="1"/>
+          </p:cNvSpPr>
+          <p:nvPr>
+            <p:ph type="sldNum" sz="quarter" idx="12"/>
+          </p:nvPr>
+        </p:nvSpPr>
+        <p:spPr/>
+        <p:txBody>
+          <a:bodyPr/>
+          <a:lstStyle/>
+          <a:p>
+            <a:fld id="{FF3034EF-BFAE-4255-A656-297DAB7FEC3B}" type="slidenum">
+              <a:rPr lang="es-CO" smtClean="0"/>
+              <a:t>2</a:t>
+            </a:fld>
+            <a:endParaRPr lang="es-CO"/>
+          </a:p>
+        </p:txBody>
+      </p:sp>
+      <p:pic>
+        <p:nvPicPr>
+          <p:cNvPr id="5" name="Imagen 4">
+            <a:hlinkClick r:id="rId2"/>
+          </p:cNvPr>
+          <p:cNvPicPr>
+            <a:picLocks noChangeAspect="1"/>
+          </p:cNvPicPr>
+          <p:nvPr/>
+        </p:nvPicPr>
+        <p:blipFill>
+          <a:blip r:embed="rId3"/>
+          <a:stretch>
+            <a:fillRect/>
+          </a:stretch>
+        </p:blipFill>
+        <p:spPr>
+          <a:xfrm>
+            <a:off x="1468876" y="1405854"/>
+            <a:ext cx="3747884" cy="5034768"/>
+          </a:xfrm>
+          <a:prstGeom prst="rect">
+            <a:avLst/>
+          </a:prstGeom>
+        </p:spPr>
+      </p:pic>
+      <p:sp>
+        <p:nvSpPr>
+          <p:cNvPr id="6" name="CuadroTexto 5"/>
+          <p:cNvSpPr txBox="1"/>
+          <p:nvPr/>
+        </p:nvSpPr>
+        <p:spPr>
+          <a:xfrm>
+            <a:off x="0" y="104775"/>
+            <a:ext cx="12192000" cy="923330"/>
+          </a:xfrm>
+          <a:prstGeom prst="rect">
+            <a:avLst/>
+          </a:prstGeom>
+          <a:noFill/>
+        </p:spPr>
+        <p:txBody>
+          <a:bodyPr wrap="square" rtlCol="0">
+            <a:spAutoFit/>
+          </a:bodyPr>
+          <a:lstStyle/>
+          <a:p>
+            <a:pPr algn="ctr"/>
+            <a:r>
+              <a:rPr lang="es-CO" sz="5400" b="1" dirty="0" smtClean="0">
+                <a:solidFill>
+                  <a:schemeClr val="bg1"/>
+                </a:solidFill>
+                <a:latin typeface="Berlin Sans FB Demi" panose="020E0802020502020306" pitchFamily="34" charset="0"/>
+              </a:rPr>
+              <a:t>News 2017</a:t>
+            </a:r>
+            <a:endParaRPr lang="es-CO" sz="3600" b="1" dirty="0">
+              <a:solidFill>
+                <a:schemeClr val="bg1"/>
+              </a:solidFill>
+              <a:latin typeface="Berlin Sans FB Demi" panose="020E0802020502020306" pitchFamily="34" charset="0"/>
+            </a:endParaRPr>
+          </a:p>
+        </p:txBody>
+      </p:sp>
+      <p:pic>
+        <p:nvPicPr>
+          <p:cNvPr id="7" name="Imagen 6">
+            <a:hlinkClick r:id="rId4"/>
+          </p:cNvPr>
+          <p:cNvPicPr>
+            <a:picLocks noChangeAspect="1"/>
+          </p:cNvPicPr>
+          <p:nvPr/>
+        </p:nvPicPr>
+        <p:blipFill>
+          <a:blip r:embed="rId5"/>
+          <a:stretch>
+            <a:fillRect/>
+          </a:stretch>
+        </p:blipFill>
+        <p:spPr>
+          <a:xfrm>
+            <a:off x="6016686" y="1405854"/>
+            <a:ext cx="4738606" cy="5034768"/>
+          </a:xfrm>
+          <a:prstGeom prst="rect">
+            <a:avLst/>
+          </a:prstGeom>
+        </p:spPr>
+      </p:pic>
+    </p:spTree>
+    <p:extLst>
+      <p:ext uri="{BB962C8B-B14F-4D97-AF65-F5344CB8AC3E}">
+        <p14:creationId xmlns:p14="http://schemas.microsoft.com/office/powerpoint/2010/main" val="4186123684"/>
+      </p:ext>
+    </p:extLst>
+  </p:cSld>
+  <p:clrMapOvr>
+    <a:masterClrMapping/>
+  </p:clrMapOvr>
+  <p:timing>
+    <p:tnLst>
+      <p:par>
+        <p:cTn id="1" dur="indefinite" restart="never" nodeType="tmRoot"/>
+      </p:par>
+    </p:tnLst>
+  </p:timing>
+</p:sld>
+</file>
+
+<file path=ppt/slides/slide3.xml><?xml version="1.0" encoding="utf-8"?>
+<p:sld xmlns:a="http://schemas.openxmlformats.org/drawingml/2006/main" xmlns:r="http://schemas.openxmlformats.org/officeDocument/2006/relationships" xmlns:p="http://schemas.openxmlformats.org/presentationml/2006/main">
+  <p:cSld>
+    <p:spTree>
+      <p:nvGrpSpPr>
+        <p:cNvPr id="1" name=""/>
+        <p:cNvGrpSpPr/>
+        <p:nvPr/>
+      </p:nvGrpSpPr>
+      <p:grpSpPr>
+        <a:xfrm>
+          <a:off x="0" y="0"/>
+          <a:ext cx="0" cy="0"/>
+          <a:chOff x="0" y="0"/>
+          <a:chExt cx="0" cy="0"/>
+        </a:xfrm>
+      </p:grpSpPr>
+      <p:sp>
+        <p:nvSpPr>
+          <p:cNvPr id="4" name="Marcador de número de diapositiva 3"/>
+          <p:cNvSpPr>
+            <a:spLocks noGrp="1"/>
+          </p:cNvSpPr>
+          <p:nvPr>
+            <p:ph type="sldNum" sz="quarter" idx="12"/>
+          </p:nvPr>
+        </p:nvSpPr>
+        <p:spPr/>
+        <p:txBody>
+          <a:bodyPr/>
+          <a:lstStyle/>
+          <a:p>
+            <a:fld id="{FF3034EF-BFAE-4255-A656-297DAB7FEC3B}" type="slidenum">
+              <a:rPr lang="es-CO" smtClean="0"/>
+              <a:t>3</a:t>
+            </a:fld>
+            <a:endParaRPr lang="es-CO"/>
+          </a:p>
+        </p:txBody>
+      </p:sp>
+      <p:sp>
+        <p:nvSpPr>
+          <p:cNvPr id="5" name="CuadroTexto 4"/>
+          <p:cNvSpPr txBox="1"/>
+          <p:nvPr/>
+        </p:nvSpPr>
+        <p:spPr>
+          <a:xfrm>
+            <a:off x="0" y="104775"/>
+            <a:ext cx="12192000" cy="923330"/>
+          </a:xfrm>
+          <a:prstGeom prst="rect">
+            <a:avLst/>
+          </a:prstGeom>
+          <a:noFill/>
+        </p:spPr>
+        <p:txBody>
+          <a:bodyPr wrap="square" rtlCol="0">
+            <a:spAutoFit/>
+          </a:bodyPr>
+          <a:lstStyle/>
+          <a:p>
+            <a:pPr algn="ctr"/>
+            <a:r>
+              <a:rPr lang="es-CO" sz="5400" b="1" dirty="0">
+                <a:solidFill>
+                  <a:schemeClr val="bg1"/>
+                </a:solidFill>
+                <a:latin typeface="Berlin Sans FB Demi" panose="020E0802020502020306" pitchFamily="34" charset="0"/>
+              </a:rPr>
+              <a:t>Python</a:t>
+            </a:r>
+            <a:endParaRPr lang="es-CO" sz="3600" b="1" dirty="0">
+              <a:solidFill>
+                <a:schemeClr val="bg1"/>
+              </a:solidFill>
+              <a:latin typeface="Berlin Sans FB Demi" panose="020E0802020502020306" pitchFamily="34" charset="0"/>
+            </a:endParaRPr>
+          </a:p>
+        </p:txBody>
+      </p:sp>
+      <p:pic>
+        <p:nvPicPr>
+          <p:cNvPr id="1026" name="Picture 2" descr="Resultado de imagen para python hacker">
+            <a:hlinkClick r:id="rId2"/>
+            <a:extLst>
+              <a:ext uri="{FF2B5EF4-FFF2-40B4-BE49-F238E27FC236}">
+                <a16:creationId xmlns:a16="http://schemas.microsoft.com/office/drawing/2014/main" id="{55CBE6CB-490C-4164-B1F8-A3EE2D7D6928}"/>
+              </a:ext>
+            </a:extLst>
+          </p:cNvPr>
+          <p:cNvPicPr>
+            <a:picLocks noChangeAspect="1" noChangeArrowheads="1"/>
+          </p:cNvPicPr>
+          <p:nvPr/>
+        </p:nvPicPr>
+        <p:blipFill>
+          <a:blip r:embed="rId3">
+            <a:extLst>
+              <a:ext uri="{28A0092B-C50C-407E-A947-70E740481C1C}">
+                <a14:useLocalDpi xmlns:a14="http://schemas.microsoft.com/office/drawing/2010/main" val="0"/>
+              </a:ext>
+            </a:extLst>
+          </a:blip>
+          <a:srcRect/>
+          <a:stretch>
+            <a:fillRect/>
+          </a:stretch>
+        </p:blipFill>
+        <p:spPr bwMode="auto">
+          <a:xfrm>
+            <a:off x="8442036" y="3715474"/>
+            <a:ext cx="2556368" cy="2640876"/>
+          </a:xfrm>
+          <a:prstGeom prst="rect">
+            <a:avLst/>
+          </a:prstGeom>
+          <a:noFill/>
+          <a:effectLst>
+            <a:innerShdw blurRad="114300">
+              <a:prstClr val="black"/>
+            </a:innerShdw>
+          </a:effectLst>
+          <a:extLst>
+            <a:ext uri="{909E8E84-426E-40DD-AFC4-6F175D3DCCD1}">
+              <a14:hiddenFill xmlns:a14="http://schemas.microsoft.com/office/drawing/2010/main">
+                <a:solidFill>
+                  <a:srgbClr val="FFFFFF"/>
+                </a:solidFill>
+              </a14:hiddenFill>
+            </a:ext>
+          </a:extLst>
+        </p:spPr>
+      </p:pic>
+      <p:pic>
+        <p:nvPicPr>
+          <p:cNvPr id="1028" name="Picture 4" descr="Resultado de imagen para python">
+            <a:hlinkClick r:id="rId4"/>
+            <a:extLst>
+              <a:ext uri="{FF2B5EF4-FFF2-40B4-BE49-F238E27FC236}">
+                <a16:creationId xmlns:a16="http://schemas.microsoft.com/office/drawing/2014/main" id="{89B85AFF-F48F-4A7D-ADF0-11A2153754FD}"/>
+              </a:ext>
+            </a:extLst>
+          </p:cNvPr>
+          <p:cNvPicPr>
+            <a:picLocks noChangeAspect="1" noChangeArrowheads="1"/>
+          </p:cNvPicPr>
+          <p:nvPr/>
+        </p:nvPicPr>
+        <p:blipFill>
+          <a:blip r:embed="rId5">
+            <a:extLst>
+              <a:ext uri="{28A0092B-C50C-407E-A947-70E740481C1C}">
+                <a14:useLocalDpi xmlns:a14="http://schemas.microsoft.com/office/drawing/2010/main" val="0"/>
+              </a:ext>
+            </a:extLst>
+          </a:blip>
+          <a:srcRect/>
+          <a:stretch>
+            <a:fillRect/>
+          </a:stretch>
+        </p:blipFill>
+        <p:spPr bwMode="auto">
+          <a:xfrm>
+            <a:off x="813811" y="1781899"/>
+            <a:ext cx="5724525" cy="1933575"/>
+          </a:xfrm>
+          <a:prstGeom prst="rect">
+            <a:avLst/>
+          </a:prstGeom>
+          <a:noFill/>
+          <a:effectLst>
+            <a:innerShdw blurRad="114300">
+              <a:prstClr val="black"/>
+            </a:innerShdw>
+          </a:effectLst>
+          <a:extLst>
+            <a:ext uri="{909E8E84-426E-40DD-AFC4-6F175D3DCCD1}">
+              <a14:hiddenFill xmlns:a14="http://schemas.microsoft.com/office/drawing/2010/main">
+                <a:solidFill>
+                  <a:srgbClr val="FFFFFF"/>
+                </a:solidFill>
+              </a14:hiddenFill>
+            </a:ext>
+          </a:extLst>
+        </p:spPr>
+      </p:pic>
+    </p:spTree>
+    <p:extLst>
+      <p:ext uri="{BB962C8B-B14F-4D97-AF65-F5344CB8AC3E}">
+        <p14:creationId xmlns:p14="http://schemas.microsoft.com/office/powerpoint/2010/main" val="3702752923"/>
+      </p:ext>
+    </p:extLst>
+  </p:cSld>
+  <p:clrMapOvr>
+    <a:masterClrMapping/>
+  </p:clrMapOvr>
+  <p:timing>
+    <p:tnLst>
+      <p:par>
+        <p:cTn id="1" dur="indefinite" restart="never" nodeType="tmRoot"/>
+      </p:par>
+    </p:tnLst>
+  </p:timing>
+</p:sld>
+</file>
+
+<file path=ppt/slides/slide4.xml><?xml version="1.0" encoding="utf-8"?>
+<p:sld xmlns:a="http://schemas.openxmlformats.org/drawingml/2006/main" xmlns:r="http://schemas.openxmlformats.org/officeDocument/2006/relationships" xmlns:p="http://schemas.openxmlformats.org/presentationml/2006/main">
+  <p:cSld>
+    <p:spTree>
+      <p:nvGrpSpPr>
+        <p:cNvPr id="1" name=""/>
+        <p:cNvGrpSpPr/>
+        <p:nvPr/>
+      </p:nvGrpSpPr>
+      <p:grpSpPr>
+        <a:xfrm>
+          <a:off x="0" y="0"/>
+          <a:ext cx="0" cy="0"/>
+          <a:chOff x="0" y="0"/>
+          <a:chExt cx="0" cy="0"/>
+        </a:xfrm>
+      </p:grpSpPr>
+      <p:sp>
+        <p:nvSpPr>
+          <p:cNvPr id="3" name="Marcador de contenido 2">
+            <a:extLst>
+              <a:ext uri="{FF2B5EF4-FFF2-40B4-BE49-F238E27FC236}">
+                <a16:creationId xmlns:a16="http://schemas.microsoft.com/office/drawing/2014/main" id="{6A647F4E-5A61-4DB2-9C8C-A01918D1B1C4}"/>
+              </a:ext>
+            </a:extLst>
+          </p:cNvPr>
+          <p:cNvSpPr>
+            <a:spLocks noGrp="1"/>
+          </p:cNvSpPr>
+          <p:nvPr>
+            <p:ph idx="1"/>
+          </p:nvPr>
+        </p:nvSpPr>
+        <p:spPr/>
+        <p:txBody>
+          <a:bodyPr/>
+          <a:lstStyle/>
+          <a:p>
+            <a:r>
+              <a:rPr lang="es-CO" dirty="0" err="1" smtClean="0">
+                <a:solidFill>
+                  <a:schemeClr val="bg1"/>
+                </a:solidFill>
+                <a:latin typeface="Berlin Sans FB Demi" panose="020E0802020502020306" pitchFamily="34" charset="0"/>
+              </a:rPr>
+              <a:t>Systems</a:t>
+            </a:r>
+            <a:r>
+              <a:rPr lang="es-CO" dirty="0" smtClean="0">
+                <a:solidFill>
+                  <a:schemeClr val="bg1"/>
+                </a:solidFill>
+                <a:latin typeface="Berlin Sans FB Demi" panose="020E0802020502020306" pitchFamily="34" charset="0"/>
+              </a:rPr>
+              <a:t> </a:t>
+            </a:r>
+            <a:r>
+              <a:rPr lang="es-CO" dirty="0" err="1" smtClean="0">
+                <a:solidFill>
+                  <a:schemeClr val="bg1"/>
+                </a:solidFill>
+                <a:latin typeface="Berlin Sans FB Demi" panose="020E0802020502020306" pitchFamily="34" charset="0"/>
+              </a:rPr>
+              <a:t>Programming</a:t>
+            </a:r>
+            <a:r>
+              <a:rPr lang="es-CO" dirty="0" smtClean="0">
+                <a:solidFill>
+                  <a:schemeClr val="bg1"/>
+                </a:solidFill>
+                <a:latin typeface="Berlin Sans FB Demi" panose="020E0802020502020306" pitchFamily="34" charset="0"/>
+              </a:rPr>
+              <a:t>. </a:t>
+            </a:r>
+          </a:p>
+          <a:p>
+            <a:r>
+              <a:rPr lang="es-CO" dirty="0" err="1" smtClean="0">
+                <a:solidFill>
+                  <a:schemeClr val="bg1"/>
+                </a:solidFill>
+                <a:latin typeface="Berlin Sans FB Demi" panose="020E0802020502020306" pitchFamily="34" charset="0"/>
+              </a:rPr>
+              <a:t>GUIs</a:t>
+            </a:r>
+            <a:r>
+              <a:rPr lang="es-CO" dirty="0">
+                <a:solidFill>
+                  <a:schemeClr val="bg1"/>
+                </a:solidFill>
+                <a:latin typeface="Berlin Sans FB Demi" panose="020E0802020502020306" pitchFamily="34" charset="0"/>
+              </a:rPr>
+              <a:t> </a:t>
+            </a:r>
+            <a:r>
+              <a:rPr lang="es-CO" dirty="0" smtClean="0">
+                <a:solidFill>
+                  <a:schemeClr val="bg1"/>
+                </a:solidFill>
+                <a:latin typeface="Berlin Sans FB Demi" panose="020E0802020502020306" pitchFamily="34" charset="0"/>
+              </a:rPr>
+              <a:t>(</a:t>
+            </a:r>
+            <a:r>
+              <a:rPr lang="es-CO" dirty="0" err="1" smtClean="0">
+                <a:solidFill>
+                  <a:schemeClr val="bg1"/>
+                </a:solidFill>
+                <a:latin typeface="Berlin Sans FB Demi" panose="020E0802020502020306" pitchFamily="34" charset="0"/>
+              </a:rPr>
+              <a:t>Graphical</a:t>
+            </a:r>
+            <a:r>
+              <a:rPr lang="es-CO" dirty="0" smtClean="0">
+                <a:solidFill>
+                  <a:schemeClr val="bg1"/>
+                </a:solidFill>
+                <a:latin typeface="Berlin Sans FB Demi" panose="020E0802020502020306" pitchFamily="34" charset="0"/>
+              </a:rPr>
+              <a:t> </a:t>
+            </a:r>
+            <a:r>
+              <a:rPr lang="es-CO" dirty="0" err="1" smtClean="0">
+                <a:solidFill>
+                  <a:schemeClr val="bg1"/>
+                </a:solidFill>
+                <a:latin typeface="Berlin Sans FB Demi" panose="020E0802020502020306" pitchFamily="34" charset="0"/>
+              </a:rPr>
+              <a:t>User</a:t>
+            </a:r>
+            <a:r>
+              <a:rPr lang="es-CO" dirty="0" smtClean="0">
+                <a:solidFill>
+                  <a:schemeClr val="bg1"/>
+                </a:solidFill>
+                <a:latin typeface="Berlin Sans FB Demi" panose="020E0802020502020306" pitchFamily="34" charset="0"/>
+              </a:rPr>
+              <a:t> Interface); Python/</a:t>
+            </a:r>
+            <a:r>
+              <a:rPr lang="es-CO" dirty="0" err="1" smtClean="0">
+                <a:solidFill>
+                  <a:schemeClr val="bg1"/>
+                </a:solidFill>
+                <a:latin typeface="Berlin Sans FB Demi" panose="020E0802020502020306" pitchFamily="34" charset="0"/>
+              </a:rPr>
+              <a:t>Tkinter</a:t>
+            </a:r>
+            <a:r>
+              <a:rPr lang="es-CO" dirty="0" smtClean="0">
+                <a:solidFill>
+                  <a:schemeClr val="bg1"/>
+                </a:solidFill>
+                <a:latin typeface="Berlin Sans FB Demi" panose="020E0802020502020306" pitchFamily="34" charset="0"/>
+              </a:rPr>
+              <a:t> </a:t>
+            </a:r>
+            <a:r>
+              <a:rPr lang="es-CO" dirty="0" err="1" smtClean="0">
+                <a:solidFill>
+                  <a:schemeClr val="bg1"/>
+                </a:solidFill>
+                <a:latin typeface="Berlin Sans FB Demi" panose="020E0802020502020306" pitchFamily="34" charset="0"/>
+              </a:rPr>
+              <a:t>toolkit</a:t>
+            </a:r>
+            <a:r>
+              <a:rPr lang="es-CO" dirty="0" smtClean="0">
+                <a:solidFill>
+                  <a:schemeClr val="bg1"/>
+                </a:solidFill>
+                <a:latin typeface="Berlin Sans FB Demi" panose="020E0802020502020306" pitchFamily="34" charset="0"/>
+              </a:rPr>
+              <a:t>.</a:t>
+            </a:r>
+          </a:p>
+          <a:p>
+            <a:r>
+              <a:rPr lang="es-CO" dirty="0" smtClean="0">
+                <a:solidFill>
+                  <a:schemeClr val="bg1"/>
+                </a:solidFill>
+                <a:latin typeface="Berlin Sans FB Demi" panose="020E0802020502020306" pitchFamily="34" charset="0"/>
+              </a:rPr>
+              <a:t>Internet Scripting; </a:t>
+            </a:r>
+            <a:r>
+              <a:rPr lang="es-CO" dirty="0" err="1" smtClean="0">
+                <a:solidFill>
+                  <a:schemeClr val="bg1"/>
+                </a:solidFill>
+                <a:latin typeface="Berlin Sans FB Demi" panose="020E0802020502020306" pitchFamily="34" charset="0"/>
+              </a:rPr>
+              <a:t>client</a:t>
+            </a:r>
+            <a:r>
+              <a:rPr lang="es-CO" dirty="0" smtClean="0">
+                <a:solidFill>
+                  <a:schemeClr val="bg1"/>
+                </a:solidFill>
+                <a:latin typeface="Berlin Sans FB Demi" panose="020E0802020502020306" pitchFamily="34" charset="0"/>
+              </a:rPr>
+              <a:t> and server </a:t>
+            </a:r>
+            <a:r>
+              <a:rPr lang="es-CO" dirty="0" err="1" smtClean="0">
+                <a:solidFill>
+                  <a:schemeClr val="bg1"/>
+                </a:solidFill>
+                <a:latin typeface="Berlin Sans FB Demi" panose="020E0802020502020306" pitchFamily="34" charset="0"/>
+              </a:rPr>
+              <a:t>modes</a:t>
+            </a:r>
+            <a:r>
+              <a:rPr lang="es-CO" dirty="0" smtClean="0">
+                <a:solidFill>
+                  <a:schemeClr val="bg1"/>
+                </a:solidFill>
+                <a:latin typeface="Berlin Sans FB Demi" panose="020E0802020502020306" pitchFamily="34" charset="0"/>
+              </a:rPr>
+              <a:t>.</a:t>
+            </a:r>
+          </a:p>
+          <a:p>
+            <a:r>
+              <a:rPr lang="es-CO" dirty="0" err="1" smtClean="0">
+                <a:solidFill>
+                  <a:schemeClr val="bg1"/>
+                </a:solidFill>
+                <a:latin typeface="Berlin Sans FB Demi" panose="020E0802020502020306" pitchFamily="34" charset="0"/>
+              </a:rPr>
+              <a:t>Component</a:t>
+            </a:r>
+            <a:r>
+              <a:rPr lang="es-CO" dirty="0" smtClean="0">
+                <a:solidFill>
+                  <a:schemeClr val="bg1"/>
+                </a:solidFill>
+                <a:latin typeface="Berlin Sans FB Demi" panose="020E0802020502020306" pitchFamily="34" charset="0"/>
+              </a:rPr>
+              <a:t> </a:t>
+            </a:r>
+            <a:r>
+              <a:rPr lang="es-CO" dirty="0" err="1" smtClean="0">
+                <a:solidFill>
+                  <a:schemeClr val="bg1"/>
+                </a:solidFill>
+                <a:latin typeface="Berlin Sans FB Demi" panose="020E0802020502020306" pitchFamily="34" charset="0"/>
+              </a:rPr>
+              <a:t>Integration</a:t>
+            </a:r>
+            <a:r>
+              <a:rPr lang="es-CO" dirty="0" smtClean="0">
+                <a:solidFill>
+                  <a:schemeClr val="bg1"/>
+                </a:solidFill>
+                <a:latin typeface="Berlin Sans FB Demi" panose="020E0802020502020306" pitchFamily="34" charset="0"/>
+              </a:rPr>
+              <a:t>.</a:t>
+            </a:r>
+          </a:p>
+          <a:p>
+            <a:r>
+              <a:rPr lang="es-CO" dirty="0" err="1" smtClean="0">
+                <a:solidFill>
+                  <a:schemeClr val="bg1"/>
+                </a:solidFill>
+                <a:latin typeface="Berlin Sans FB Demi" panose="020E0802020502020306" pitchFamily="34" charset="0"/>
+              </a:rPr>
+              <a:t>Database</a:t>
+            </a:r>
+            <a:r>
+              <a:rPr lang="es-CO" dirty="0" smtClean="0">
+                <a:solidFill>
+                  <a:schemeClr val="bg1"/>
+                </a:solidFill>
+                <a:latin typeface="Berlin Sans FB Demi" panose="020E0802020502020306" pitchFamily="34" charset="0"/>
+              </a:rPr>
+              <a:t> </a:t>
+            </a:r>
+            <a:r>
+              <a:rPr lang="es-CO" dirty="0" err="1" smtClean="0">
+                <a:solidFill>
+                  <a:schemeClr val="bg1"/>
+                </a:solidFill>
+                <a:latin typeface="Berlin Sans FB Demi" panose="020E0802020502020306" pitchFamily="34" charset="0"/>
+              </a:rPr>
+              <a:t>Programming</a:t>
+            </a:r>
+            <a:r>
+              <a:rPr lang="es-CO" dirty="0" smtClean="0">
+                <a:solidFill>
+                  <a:schemeClr val="bg1"/>
+                </a:solidFill>
+                <a:latin typeface="Berlin Sans FB Demi" panose="020E0802020502020306" pitchFamily="34" charset="0"/>
+              </a:rPr>
+              <a:t>.</a:t>
+            </a:r>
+          </a:p>
+          <a:p>
+            <a:r>
+              <a:rPr lang="es-CO" dirty="0" err="1" smtClean="0">
+                <a:solidFill>
+                  <a:schemeClr val="bg1"/>
+                </a:solidFill>
+                <a:latin typeface="Berlin Sans FB Demi" panose="020E0802020502020306" pitchFamily="34" charset="0"/>
+              </a:rPr>
+              <a:t>Numeric</a:t>
+            </a:r>
+            <a:r>
+              <a:rPr lang="es-CO" dirty="0" smtClean="0">
+                <a:solidFill>
+                  <a:schemeClr val="bg1"/>
+                </a:solidFill>
+                <a:latin typeface="Berlin Sans FB Demi" panose="020E0802020502020306" pitchFamily="34" charset="0"/>
+              </a:rPr>
+              <a:t> </a:t>
+            </a:r>
+            <a:r>
+              <a:rPr lang="es-CO" dirty="0" err="1" smtClean="0">
+                <a:solidFill>
+                  <a:schemeClr val="bg1"/>
+                </a:solidFill>
+                <a:latin typeface="Berlin Sans FB Demi" panose="020E0802020502020306" pitchFamily="34" charset="0"/>
+              </a:rPr>
+              <a:t>Programming</a:t>
+            </a:r>
+            <a:r>
+              <a:rPr lang="es-CO" dirty="0" smtClean="0">
+                <a:solidFill>
+                  <a:schemeClr val="bg1"/>
+                </a:solidFill>
+                <a:latin typeface="Berlin Sans FB Demi" panose="020E0802020502020306" pitchFamily="34" charset="0"/>
+              </a:rPr>
+              <a:t>. </a:t>
+            </a:r>
+            <a:r>
+              <a:rPr lang="es-CO" dirty="0" err="1" smtClean="0">
+                <a:solidFill>
+                  <a:schemeClr val="bg1"/>
+                </a:solidFill>
+                <a:latin typeface="Berlin Sans FB Demi" panose="020E0802020502020306" pitchFamily="34" charset="0"/>
+              </a:rPr>
+              <a:t>NumPy</a:t>
+            </a:r>
+            <a:r>
+              <a:rPr lang="es-CO" dirty="0" smtClean="0">
+                <a:solidFill>
+                  <a:schemeClr val="bg1"/>
+                </a:solidFill>
+                <a:latin typeface="Berlin Sans FB Demi" panose="020E0802020502020306" pitchFamily="34" charset="0"/>
+              </a:rPr>
+              <a:t>.</a:t>
+            </a:r>
+          </a:p>
+          <a:p>
+            <a:r>
+              <a:rPr lang="es-CO" dirty="0" err="1" smtClean="0">
+                <a:solidFill>
+                  <a:schemeClr val="bg1"/>
+                </a:solidFill>
+                <a:latin typeface="Berlin Sans FB Demi" panose="020E0802020502020306" pitchFamily="34" charset="0"/>
+              </a:rPr>
+              <a:t>Gaming</a:t>
+            </a:r>
+            <a:r>
+              <a:rPr lang="es-CO" dirty="0" smtClean="0">
+                <a:solidFill>
+                  <a:schemeClr val="bg1"/>
+                </a:solidFill>
+                <a:latin typeface="Berlin Sans FB Demi" panose="020E0802020502020306" pitchFamily="34" charset="0"/>
+              </a:rPr>
+              <a:t>, </a:t>
+            </a:r>
+            <a:r>
+              <a:rPr lang="es-CO" dirty="0" err="1" smtClean="0">
+                <a:solidFill>
+                  <a:schemeClr val="bg1"/>
+                </a:solidFill>
+                <a:latin typeface="Berlin Sans FB Demi" panose="020E0802020502020306" pitchFamily="34" charset="0"/>
+              </a:rPr>
+              <a:t>Images</a:t>
+            </a:r>
+            <a:r>
+              <a:rPr lang="es-CO" dirty="0" smtClean="0">
+                <a:solidFill>
+                  <a:schemeClr val="bg1"/>
+                </a:solidFill>
+                <a:latin typeface="Berlin Sans FB Demi" panose="020E0802020502020306" pitchFamily="34" charset="0"/>
+              </a:rPr>
+              <a:t>, AI, XML, and More…</a:t>
+            </a:r>
+          </a:p>
+          <a:p>
+            <a:endParaRPr lang="es-CO" dirty="0" smtClean="0">
+              <a:solidFill>
+                <a:schemeClr val="bg1"/>
+              </a:solidFill>
+              <a:latin typeface="Berlin Sans FB Demi" panose="020E0802020502020306" pitchFamily="34" charset="0"/>
+            </a:endParaRPr>
+          </a:p>
+          <a:p>
+            <a:endParaRPr lang="es-CO" dirty="0">
+              <a:solidFill>
+                <a:schemeClr val="bg1"/>
+              </a:solidFill>
+              <a:latin typeface="Berlin Sans FB Demi" panose="020E0802020502020306" pitchFamily="34" charset="0"/>
+            </a:endParaRPr>
+          </a:p>
+          <a:p>
+            <a:endParaRPr lang="es-CO" dirty="0"/>
+          </a:p>
+        </p:txBody>
+      </p:sp>
+      <p:sp>
+        <p:nvSpPr>
+          <p:cNvPr id="4" name="Marcador de número de diapositiva 3">
+            <a:extLst>
+              <a:ext uri="{FF2B5EF4-FFF2-40B4-BE49-F238E27FC236}">
+                <a16:creationId xmlns:a16="http://schemas.microsoft.com/office/drawing/2014/main" id="{EA221394-0EBB-4640-84DA-F1D36ECD6047}"/>
+              </a:ext>
+            </a:extLst>
+          </p:cNvPr>
+          <p:cNvSpPr>
+            <a:spLocks noGrp="1"/>
+          </p:cNvSpPr>
+          <p:nvPr>
+            <p:ph type="sldNum" sz="quarter" idx="12"/>
+          </p:nvPr>
+        </p:nvSpPr>
+        <p:spPr/>
+        <p:txBody>
+          <a:bodyPr/>
+          <a:lstStyle/>
+          <a:p>
+            <a:fld id="{FF3034EF-BFAE-4255-A656-297DAB7FEC3B}" type="slidenum">
+              <a:rPr lang="es-CO" smtClean="0"/>
+              <a:t>4</a:t>
+            </a:fld>
+            <a:endParaRPr lang="es-CO"/>
+          </a:p>
+        </p:txBody>
+      </p:sp>
+      <p:sp>
+        <p:nvSpPr>
+          <p:cNvPr id="5" name="CuadroTexto 4">
+            <a:extLst>
+              <a:ext uri="{FF2B5EF4-FFF2-40B4-BE49-F238E27FC236}">
+                <a16:creationId xmlns:a16="http://schemas.microsoft.com/office/drawing/2014/main" id="{A84A9A1E-7896-4092-A71F-E527966027B7}"/>
+              </a:ext>
+            </a:extLst>
+          </p:cNvPr>
+          <p:cNvSpPr txBox="1"/>
+          <p:nvPr/>
+        </p:nvSpPr>
+        <p:spPr>
+          <a:xfrm>
+            <a:off x="0" y="104775"/>
+            <a:ext cx="12192000" cy="923330"/>
+          </a:xfrm>
+          <a:prstGeom prst="rect">
+            <a:avLst/>
+          </a:prstGeom>
+          <a:noFill/>
+        </p:spPr>
+        <p:txBody>
+          <a:bodyPr wrap="square" rtlCol="0">
+            <a:spAutoFit/>
+          </a:bodyPr>
+          <a:lstStyle/>
+          <a:p>
+            <a:pPr algn="ctr"/>
+            <a:r>
+              <a:rPr lang="es-CO" sz="5400" b="1" dirty="0" err="1" smtClean="0">
+                <a:solidFill>
+                  <a:schemeClr val="bg1"/>
+                </a:solidFill>
+                <a:latin typeface="Berlin Sans FB Demi" panose="020E0802020502020306" pitchFamily="34" charset="0"/>
+              </a:rPr>
+              <a:t>What</a:t>
+            </a:r>
+            <a:r>
+              <a:rPr lang="es-CO" sz="5400" b="1" dirty="0" smtClean="0">
+                <a:solidFill>
+                  <a:schemeClr val="bg1"/>
+                </a:solidFill>
+                <a:latin typeface="Berlin Sans FB Demi" panose="020E0802020502020306" pitchFamily="34" charset="0"/>
+              </a:rPr>
+              <a:t> Can I do </a:t>
+            </a:r>
+            <a:r>
+              <a:rPr lang="es-CO" sz="5400" b="1" dirty="0" err="1" smtClean="0">
+                <a:solidFill>
+                  <a:schemeClr val="bg1"/>
+                </a:solidFill>
+                <a:latin typeface="Berlin Sans FB Demi" panose="020E0802020502020306" pitchFamily="34" charset="0"/>
+              </a:rPr>
+              <a:t>with</a:t>
+            </a:r>
+            <a:r>
+              <a:rPr lang="es-CO" sz="5400" b="1" dirty="0" smtClean="0">
+                <a:solidFill>
+                  <a:schemeClr val="bg1"/>
+                </a:solidFill>
+                <a:latin typeface="Berlin Sans FB Demi" panose="020E0802020502020306" pitchFamily="34" charset="0"/>
+              </a:rPr>
+              <a:t> Python?</a:t>
+            </a:r>
+            <a:endParaRPr lang="es-CO" sz="3600" b="1" dirty="0">
+              <a:solidFill>
+                <a:schemeClr val="bg1"/>
+              </a:solidFill>
+              <a:latin typeface="Berlin Sans FB Demi" panose="020E0802020502020306" pitchFamily="34" charset="0"/>
+            </a:endParaRPr>
+          </a:p>
+        </p:txBody>
+      </p:sp>
+    </p:spTree>
+    <p:extLst>
+      <p:ext uri="{BB962C8B-B14F-4D97-AF65-F5344CB8AC3E}">
+        <p14:creationId xmlns:p14="http://schemas.microsoft.com/office/powerpoint/2010/main" val="3648546224"/>
+      </p:ext>
+    </p:extLst>
+  </p:cSld>
+  <p:clrMapOvr>
+    <a:masterClrMapping/>
+  </p:clrMapOvr>
+</p:sld>
+</file>
+
+<file path=ppt/slides/slide5.xml><?xml version="1.0" encoding="utf-8"?>
+<p:sld xmlns:a="http://schemas.openxmlformats.org/drawingml/2006/main" xmlns:r="http://schemas.openxmlformats.org/officeDocument/2006/relationships" xmlns:p="http://schemas.openxmlformats.org/presentationml/2006/main">
+  <p:cSld>
+    <p:spTree>
+      <p:nvGrpSpPr>
+        <p:cNvPr id="1" name=""/>
+        <p:cNvGrpSpPr/>
+        <p:nvPr/>
+      </p:nvGrpSpPr>
+      <p:grpSpPr>
+        <a:xfrm>
+          <a:off x="0" y="0"/>
+          <a:ext cx="0" cy="0"/>
+          <a:chOff x="0" y="0"/>
+          <a:chExt cx="0" cy="0"/>
+        </a:xfrm>
+      </p:grpSpPr>
+      <p:sp>
+        <p:nvSpPr>
+          <p:cNvPr id="3" name="Marcador de contenido 2">
+            <a:extLst>
+              <a:ext uri="{FF2B5EF4-FFF2-40B4-BE49-F238E27FC236}">
+                <a16:creationId xmlns:a16="http://schemas.microsoft.com/office/drawing/2014/main" id="{6A647F4E-5A61-4DB2-9C8C-A01918D1B1C4}"/>
+              </a:ext>
+            </a:extLst>
+          </p:cNvPr>
+          <p:cNvSpPr>
+            <a:spLocks noGrp="1"/>
+          </p:cNvSpPr>
+          <p:nvPr>
+            <p:ph idx="1"/>
+          </p:nvPr>
+        </p:nvSpPr>
+        <p:spPr/>
+        <p:txBody>
+          <a:bodyPr/>
+          <a:lstStyle/>
+          <a:p>
+            <a:r>
+              <a:rPr lang="es-CO" dirty="0" err="1" smtClean="0">
+                <a:solidFill>
+                  <a:schemeClr val="bg1"/>
+                </a:solidFill>
+                <a:latin typeface="Berlin Sans FB Demi" panose="020E0802020502020306" pitchFamily="34" charset="0"/>
+              </a:rPr>
+              <a:t>It’s</a:t>
+            </a:r>
+            <a:r>
+              <a:rPr lang="es-CO" dirty="0" smtClean="0">
+                <a:solidFill>
+                  <a:schemeClr val="bg1"/>
+                </a:solidFill>
+                <a:latin typeface="Berlin Sans FB Demi" panose="020E0802020502020306" pitchFamily="34" charset="0"/>
+              </a:rPr>
+              <a:t> </a:t>
+            </a:r>
+            <a:r>
+              <a:rPr lang="es-CO" dirty="0" err="1" smtClean="0">
+                <a:solidFill>
+                  <a:schemeClr val="bg1"/>
+                </a:solidFill>
+                <a:latin typeface="Berlin Sans FB Demi" panose="020E0802020502020306" pitchFamily="34" charset="0"/>
+              </a:rPr>
+              <a:t>object</a:t>
+            </a:r>
+            <a:r>
+              <a:rPr lang="es-CO" dirty="0" smtClean="0">
+                <a:solidFill>
+                  <a:schemeClr val="bg1"/>
+                </a:solidFill>
+                <a:latin typeface="Berlin Sans FB Demi" panose="020E0802020502020306" pitchFamily="34" charset="0"/>
+              </a:rPr>
+              <a:t> –</a:t>
+            </a:r>
+            <a:r>
+              <a:rPr lang="es-CO" dirty="0" err="1" smtClean="0">
+                <a:solidFill>
+                  <a:schemeClr val="bg1"/>
+                </a:solidFill>
+                <a:latin typeface="Berlin Sans FB Demi" panose="020E0802020502020306" pitchFamily="34" charset="0"/>
+              </a:rPr>
+              <a:t>oriented</a:t>
+            </a:r>
+            <a:r>
+              <a:rPr lang="es-CO" dirty="0" smtClean="0">
+                <a:solidFill>
+                  <a:schemeClr val="bg1"/>
+                </a:solidFill>
+                <a:latin typeface="Berlin Sans FB Demi" panose="020E0802020502020306" pitchFamily="34" charset="0"/>
+              </a:rPr>
+              <a:t> </a:t>
+            </a:r>
+            <a:r>
+              <a:rPr lang="es-CO" dirty="0" err="1" smtClean="0">
+                <a:solidFill>
+                  <a:schemeClr val="bg1"/>
+                </a:solidFill>
+                <a:latin typeface="Berlin Sans FB Demi" panose="020E0802020502020306" pitchFamily="34" charset="0"/>
+              </a:rPr>
+              <a:t>languaje</a:t>
+            </a:r>
+            <a:r>
+              <a:rPr lang="es-CO" dirty="0" smtClean="0">
+                <a:solidFill>
+                  <a:schemeClr val="bg1"/>
+                </a:solidFill>
+                <a:latin typeface="Berlin Sans FB Demi" panose="020E0802020502020306" pitchFamily="34" charset="0"/>
+              </a:rPr>
+              <a:t>.</a:t>
+            </a:r>
+          </a:p>
+          <a:p>
+            <a:endParaRPr lang="es-CO" dirty="0">
+              <a:solidFill>
+                <a:schemeClr val="bg1"/>
+              </a:solidFill>
+              <a:latin typeface="Berlin Sans FB Demi" panose="020E0802020502020306" pitchFamily="34" charset="0"/>
+            </a:endParaRPr>
+          </a:p>
+          <a:p>
+            <a:endParaRPr lang="es-CO" dirty="0" smtClean="0">
+              <a:solidFill>
+                <a:schemeClr val="bg1"/>
+              </a:solidFill>
+              <a:latin typeface="Berlin Sans FB Demi" panose="020E0802020502020306" pitchFamily="34" charset="0"/>
+            </a:endParaRPr>
+          </a:p>
+          <a:p>
+            <a:endParaRPr lang="es-CO" dirty="0">
+              <a:solidFill>
+                <a:schemeClr val="bg1"/>
+              </a:solidFill>
+              <a:latin typeface="Berlin Sans FB Demi" panose="020E0802020502020306" pitchFamily="34" charset="0"/>
+            </a:endParaRPr>
+          </a:p>
+          <a:p>
+            <a:endParaRPr lang="es-CO" dirty="0" smtClean="0">
+              <a:solidFill>
+                <a:schemeClr val="bg1"/>
+              </a:solidFill>
+              <a:latin typeface="Berlin Sans FB Demi" panose="020E0802020502020306" pitchFamily="34" charset="0"/>
+            </a:endParaRPr>
+          </a:p>
+          <a:p>
+            <a:endParaRPr lang="es-CO" dirty="0">
+              <a:solidFill>
+                <a:schemeClr val="bg1"/>
+              </a:solidFill>
+              <a:latin typeface="Berlin Sans FB Demi" panose="020E0802020502020306" pitchFamily="34" charset="0"/>
+            </a:endParaRPr>
+          </a:p>
+          <a:p>
+            <a:r>
+              <a:rPr lang="es-CO" dirty="0" err="1" smtClean="0">
+                <a:solidFill>
+                  <a:schemeClr val="bg1"/>
+                </a:solidFill>
+                <a:latin typeface="Berlin Sans FB Demi" panose="020E0802020502020306" pitchFamily="34" charset="0"/>
+              </a:rPr>
+              <a:t>It’s</a:t>
+            </a:r>
+            <a:r>
+              <a:rPr lang="es-CO" dirty="0" smtClean="0">
+                <a:solidFill>
+                  <a:schemeClr val="bg1"/>
+                </a:solidFill>
+                <a:latin typeface="Berlin Sans FB Demi" panose="020E0802020502020306" pitchFamily="34" charset="0"/>
+              </a:rPr>
+              <a:t> portable.</a:t>
+            </a:r>
+          </a:p>
+          <a:p>
+            <a:r>
+              <a:rPr lang="es-CO" dirty="0" err="1" smtClean="0">
+                <a:solidFill>
+                  <a:schemeClr val="bg1"/>
+                </a:solidFill>
+                <a:latin typeface="Berlin Sans FB Demi" panose="020E0802020502020306" pitchFamily="34" charset="0"/>
+              </a:rPr>
+              <a:t>It’s</a:t>
+            </a:r>
+            <a:r>
+              <a:rPr lang="es-CO" dirty="0" smtClean="0">
+                <a:solidFill>
+                  <a:schemeClr val="bg1"/>
+                </a:solidFill>
+                <a:latin typeface="Berlin Sans FB Demi" panose="020E0802020502020306" pitchFamily="34" charset="0"/>
+              </a:rPr>
+              <a:t> </a:t>
+            </a:r>
+            <a:r>
+              <a:rPr lang="es-CO" dirty="0" err="1" smtClean="0">
+                <a:solidFill>
+                  <a:schemeClr val="bg1"/>
+                </a:solidFill>
+                <a:latin typeface="Berlin Sans FB Demi" panose="020E0802020502020306" pitchFamily="34" charset="0"/>
+              </a:rPr>
+              <a:t>powerful</a:t>
+            </a:r>
+            <a:r>
+              <a:rPr lang="es-CO" dirty="0" smtClean="0">
+                <a:solidFill>
+                  <a:schemeClr val="bg1"/>
+                </a:solidFill>
+                <a:latin typeface="Berlin Sans FB Demi" panose="020E0802020502020306" pitchFamily="34" charset="0"/>
+              </a:rPr>
+              <a:t>.</a:t>
+            </a:r>
+          </a:p>
+          <a:p>
+            <a:endParaRPr lang="es-CO" dirty="0" smtClean="0">
+              <a:solidFill>
+                <a:schemeClr val="bg1"/>
+              </a:solidFill>
+              <a:latin typeface="Berlin Sans FB Demi" panose="020E0802020502020306" pitchFamily="34" charset="0"/>
+            </a:endParaRPr>
+          </a:p>
+          <a:p>
+            <a:endParaRPr lang="es-CO" dirty="0" smtClean="0">
+              <a:solidFill>
+                <a:schemeClr val="bg1"/>
+              </a:solidFill>
+              <a:latin typeface="Berlin Sans FB Demi" panose="020E0802020502020306" pitchFamily="34" charset="0"/>
+            </a:endParaRPr>
+          </a:p>
+          <a:p>
+            <a:endParaRPr lang="es-CO" dirty="0" smtClean="0">
+              <a:solidFill>
+                <a:schemeClr val="bg1"/>
+              </a:solidFill>
+              <a:latin typeface="Berlin Sans FB Demi" panose="020E0802020502020306" pitchFamily="34" charset="0"/>
+            </a:endParaRPr>
+          </a:p>
+          <a:p>
+            <a:endParaRPr lang="es-CO" dirty="0">
+              <a:solidFill>
+                <a:schemeClr val="bg1"/>
+              </a:solidFill>
+              <a:latin typeface="Berlin Sans FB Demi" panose="020E0802020502020306" pitchFamily="34" charset="0"/>
+            </a:endParaRPr>
+          </a:p>
+          <a:p>
+            <a:endParaRPr lang="es-CO" dirty="0"/>
+          </a:p>
+        </p:txBody>
+      </p:sp>
+      <p:sp>
+        <p:nvSpPr>
+          <p:cNvPr id="4" name="Marcador de número de diapositiva 3">
+            <a:extLst>
+              <a:ext uri="{FF2B5EF4-FFF2-40B4-BE49-F238E27FC236}">
+                <a16:creationId xmlns:a16="http://schemas.microsoft.com/office/drawing/2014/main" id="{EA221394-0EBB-4640-84DA-F1D36ECD6047}"/>
+              </a:ext>
+            </a:extLst>
+          </p:cNvPr>
+          <p:cNvSpPr>
+            <a:spLocks noGrp="1"/>
+          </p:cNvSpPr>
+          <p:nvPr>
+            <p:ph type="sldNum" sz="quarter" idx="12"/>
+          </p:nvPr>
+        </p:nvSpPr>
+        <p:spPr/>
+        <p:txBody>
+          <a:bodyPr/>
+          <a:lstStyle/>
+          <a:p>
+            <a:fld id="{FF3034EF-BFAE-4255-A656-297DAB7FEC3B}" type="slidenum">
+              <a:rPr lang="es-CO" smtClean="0"/>
+              <a:t>5</a:t>
+            </a:fld>
+            <a:endParaRPr lang="es-CO"/>
+          </a:p>
+        </p:txBody>
+      </p:sp>
+      <p:sp>
+        <p:nvSpPr>
+          <p:cNvPr id="5" name="CuadroTexto 4">
+            <a:extLst>
+              <a:ext uri="{FF2B5EF4-FFF2-40B4-BE49-F238E27FC236}">
+                <a16:creationId xmlns:a16="http://schemas.microsoft.com/office/drawing/2014/main" id="{A84A9A1E-7896-4092-A71F-E527966027B7}"/>
+              </a:ext>
+            </a:extLst>
+          </p:cNvPr>
+          <p:cNvSpPr txBox="1"/>
+          <p:nvPr/>
+        </p:nvSpPr>
+        <p:spPr>
+          <a:xfrm>
+            <a:off x="0" y="104775"/>
+            <a:ext cx="12192000" cy="1754326"/>
+          </a:xfrm>
+          <a:prstGeom prst="rect">
+            <a:avLst/>
+          </a:prstGeom>
+          <a:noFill/>
+        </p:spPr>
+        <p:txBody>
+          <a:bodyPr wrap="square" rtlCol="0">
+            <a:spAutoFit/>
+          </a:bodyPr>
+          <a:lstStyle/>
+          <a:p>
+            <a:pPr algn="ctr"/>
+            <a:r>
+              <a:rPr lang="es-CO" sz="5400" b="1" dirty="0" err="1" smtClean="0">
+                <a:solidFill>
+                  <a:schemeClr val="bg1"/>
+                </a:solidFill>
+                <a:latin typeface="Berlin Sans FB Demi" panose="020E0802020502020306" pitchFamily="34" charset="0"/>
+              </a:rPr>
+              <a:t>What</a:t>
+            </a:r>
+            <a:r>
+              <a:rPr lang="es-CO" sz="5400" b="1" dirty="0" smtClean="0">
+                <a:solidFill>
+                  <a:schemeClr val="bg1"/>
+                </a:solidFill>
+                <a:latin typeface="Berlin Sans FB Demi" panose="020E0802020502020306" pitchFamily="34" charset="0"/>
+              </a:rPr>
+              <a:t> Are </a:t>
+            </a:r>
+            <a:r>
+              <a:rPr lang="es-CO" sz="5400" b="1" dirty="0" err="1" smtClean="0">
+                <a:solidFill>
+                  <a:schemeClr val="bg1"/>
+                </a:solidFill>
+                <a:latin typeface="Berlin Sans FB Demi" panose="020E0802020502020306" pitchFamily="34" charset="0"/>
+              </a:rPr>
+              <a:t>Python’s</a:t>
+            </a:r>
+            <a:r>
+              <a:rPr lang="es-CO" sz="5400" b="1" dirty="0" smtClean="0">
+                <a:solidFill>
+                  <a:schemeClr val="bg1"/>
+                </a:solidFill>
+                <a:latin typeface="Berlin Sans FB Demi" panose="020E0802020502020306" pitchFamily="34" charset="0"/>
+              </a:rPr>
+              <a:t> </a:t>
+            </a:r>
+            <a:r>
+              <a:rPr lang="es-CO" sz="5400" b="1" dirty="0" err="1" smtClean="0">
+                <a:solidFill>
+                  <a:schemeClr val="bg1"/>
+                </a:solidFill>
+                <a:latin typeface="Berlin Sans FB Demi" panose="020E0802020502020306" pitchFamily="34" charset="0"/>
+              </a:rPr>
+              <a:t>Technical</a:t>
+            </a:r>
+            <a:r>
+              <a:rPr lang="es-CO" sz="5400" b="1" dirty="0" smtClean="0">
+                <a:solidFill>
+                  <a:schemeClr val="bg1"/>
+                </a:solidFill>
+                <a:latin typeface="Berlin Sans FB Demi" panose="020E0802020502020306" pitchFamily="34" charset="0"/>
+              </a:rPr>
+              <a:t> </a:t>
+            </a:r>
+            <a:r>
+              <a:rPr lang="es-CO" sz="5400" b="1" dirty="0" err="1" smtClean="0">
+                <a:solidFill>
+                  <a:schemeClr val="bg1"/>
+                </a:solidFill>
+                <a:latin typeface="Berlin Sans FB Demi" panose="020E0802020502020306" pitchFamily="34" charset="0"/>
+              </a:rPr>
+              <a:t>Strengths</a:t>
+            </a:r>
+            <a:r>
+              <a:rPr lang="es-CO" sz="5400" b="1" dirty="0" smtClean="0">
+                <a:solidFill>
+                  <a:schemeClr val="bg1"/>
+                </a:solidFill>
+                <a:latin typeface="Berlin Sans FB Demi" panose="020E0802020502020306" pitchFamily="34" charset="0"/>
+              </a:rPr>
+              <a:t>?</a:t>
+            </a:r>
+            <a:endParaRPr lang="es-CO" sz="3600" b="1" dirty="0">
+              <a:solidFill>
+                <a:schemeClr val="bg1"/>
+              </a:solidFill>
+              <a:latin typeface="Berlin Sans FB Demi" panose="020E0802020502020306" pitchFamily="34" charset="0"/>
+            </a:endParaRPr>
+          </a:p>
+        </p:txBody>
+      </p:sp>
+      <p:pic>
+        <p:nvPicPr>
+          <p:cNvPr id="1026" name="Picture 2" descr="Resultado de imagen para it is free"/>
+          <p:cNvPicPr>
+            <a:picLocks noChangeAspect="1" noChangeArrowheads="1"/>
+          </p:cNvPicPr>
+          <p:nvPr/>
+        </p:nvPicPr>
+        <p:blipFill>
+          <a:blip r:embed="rId2">
+            <a:extLst>
+              <a:ext uri="{28A0092B-C50C-407E-A947-70E740481C1C}">
+                <a14:useLocalDpi xmlns:a14="http://schemas.microsoft.com/office/drawing/2010/main" val="0"/>
+              </a:ext>
+            </a:extLst>
+          </a:blip>
+          <a:srcRect/>
+          <a:stretch>
+            <a:fillRect/>
+          </a:stretch>
+        </p:blipFill>
+        <p:spPr bwMode="auto">
+          <a:xfrm>
+            <a:off x="1113108" y="2436950"/>
+            <a:ext cx="5257800" cy="2286001"/>
+          </a:xfrm>
+          <a:prstGeom prst="rect">
+            <a:avLst/>
+          </a:prstGeom>
+          <a:noFill/>
+          <a:extLst>
+            <a:ext uri="{909E8E84-426E-40DD-AFC4-6F175D3DCCD1}">
+              <a14:hiddenFill xmlns:a14="http://schemas.microsoft.com/office/drawing/2010/main">
+                <a:solidFill>
+                  <a:srgbClr val="FFFFFF"/>
+                </a:solidFill>
+              </a14:hiddenFill>
+            </a:ext>
+          </a:extLst>
+        </p:spPr>
+      </p:pic>
+    </p:spTree>
+    <p:extLst>
+      <p:ext uri="{BB962C8B-B14F-4D97-AF65-F5344CB8AC3E}">
+        <p14:creationId xmlns:p14="http://schemas.microsoft.com/office/powerpoint/2010/main" val="4058559369"/>
+      </p:ext>
+    </p:extLst>
+  </p:cSld>
+  <p:clrMapOvr>
+    <a:masterClrMapping/>
+  </p:clrMapOvr>
+  <p:timing>
+    <p:tnLst>
+      <p:par>
+        <p:cTn id="1" dur="indefinite" restart="never" nodeType="tmRoot">
+          <p:childTnLst>
+            <p:seq concurrent="1" nextAc="seek">
+              <p:cTn id="2" dur="indefinite" nodeType="mainSeq">
+                <p:childTnLst>
+                  <p:par>
+                    <p:cTn id="3" fill="hold">
+                      <p:stCondLst>
+                        <p:cond delay="indefinite"/>
+                      </p:stCondLst>
+                      <p:childTnLst>
+                        <p:par>
+                          <p:cTn id="4" fill="hold">
+                            <p:stCondLst>
+                              <p:cond delay="0"/>
+                            </p:stCondLst>
+                            <p:childTnLst>
+                              <p:par>
+                                <p:cTn id="5" presetID="1" presetClass="entr" presetSubtype="0" fill="hold" nodeType="clickEffect">
+                                  <p:stCondLst>
+                                    <p:cond delay="0"/>
+                                  </p:stCondLst>
+                                  <p:childTnLst>
+                                    <p:set>
+                                      <p:cBhvr>
+                                        <p:cTn id="6" dur="1" fill="hold">
+                                          <p:stCondLst>
+                                            <p:cond delay="0"/>
+                                          </p:stCondLst>
+                                        </p:cTn>
+                                        <p:tgtEl>
+                                          <p:spTgt spid="1026"/>
+                                        </p:tgtEl>
+                                        <p:attrNameLst>
+                                          <p:attrName>style.visibility</p:attrName>
+                                        </p:attrNameLst>
+                                      </p:cBhvr>
+                                      <p:to>
+                                        <p:strVal val="visible"/>
+                                      </p:to>
+                                    </p:set>
+                                  </p:childTnLst>
+                                </p:cTn>
+                              </p:par>
+                            </p:childTnLst>
+                          </p:cTn>
+                        </p:par>
+                      </p:childTnLst>
+                    </p:cTn>
+                  </p:par>
+                </p:childTnLst>
+              </p:cTn>
+              <p:prevCondLst>
+                <p:cond evt="onPrev" delay="0">
+                  <p:tgtEl>
+                    <p:sldTgt/>
+                  </p:tgtEl>
+                </p:cond>
+              </p:prevCondLst>
+              <p:nextCondLst>
+                <p:cond evt="onNext" delay="0">
+                  <p:tgtEl>
+                    <p:sldTgt/>
+                  </p:tgtEl>
+                </p:cond>
+              </p:nextCondLst>
+            </p:seq>
+          </p:childTnLst>
+        </p:cTn>
+      </p:par>
+    </p:tnLst>
+  </p:timing>
+</p:sld>
+</file>
+
+<file path=ppt/slides/slide6.xml><?xml version="1.0" encoding="utf-8"?>
+<p:sld xmlns:a="http://schemas.openxmlformats.org/drawingml/2006/main" xmlns:r="http://schemas.openxmlformats.org/officeDocument/2006/relationships" xmlns:p="http://schemas.openxmlformats.org/presentationml/2006/main">
+  <p:cSld>
+    <p:spTree>
+      <p:nvGrpSpPr>
+        <p:cNvPr id="1" name=""/>
+        <p:cNvGrpSpPr/>
+        <p:nvPr/>
+      </p:nvGrpSpPr>
+      <p:grpSpPr>
+        <a:xfrm>
+          <a:off x="0" y="0"/>
+          <a:ext cx="0" cy="0"/>
+          <a:chOff x="0" y="0"/>
+          <a:chExt cx="0" cy="0"/>
+        </a:xfrm>
+      </p:grpSpPr>
+      <p:sp>
+        <p:nvSpPr>
+          <p:cNvPr id="4" name="Marcador de número de diapositiva 3">
+            <a:extLst>
+              <a:ext uri="{FF2B5EF4-FFF2-40B4-BE49-F238E27FC236}">
+                <a16:creationId xmlns:a16="http://schemas.microsoft.com/office/drawing/2014/main" id="{EA221394-0EBB-4640-84DA-F1D36ECD6047}"/>
+              </a:ext>
+            </a:extLst>
+          </p:cNvPr>
+          <p:cNvSpPr>
+            <a:spLocks noGrp="1"/>
+          </p:cNvSpPr>
+          <p:nvPr>
+            <p:ph type="sldNum" sz="quarter" idx="12"/>
+          </p:nvPr>
+        </p:nvSpPr>
+        <p:spPr/>
+        <p:txBody>
+          <a:bodyPr/>
+          <a:lstStyle/>
+          <a:p>
+            <a:fld id="{FF3034EF-BFAE-4255-A656-297DAB7FEC3B}" type="slidenum">
+              <a:rPr lang="es-CO" smtClean="0"/>
+              <a:t>6</a:t>
+            </a:fld>
+            <a:endParaRPr lang="es-CO"/>
+          </a:p>
+        </p:txBody>
+      </p:sp>
+      <p:sp>
+        <p:nvSpPr>
+          <p:cNvPr id="5" name="CuadroTexto 4">
+            <a:extLst>
+              <a:ext uri="{FF2B5EF4-FFF2-40B4-BE49-F238E27FC236}">
+                <a16:creationId xmlns:a16="http://schemas.microsoft.com/office/drawing/2014/main" id="{A84A9A1E-7896-4092-A71F-E527966027B7}"/>
+              </a:ext>
+            </a:extLst>
+          </p:cNvPr>
+          <p:cNvSpPr txBox="1"/>
+          <p:nvPr/>
+        </p:nvSpPr>
+        <p:spPr>
+          <a:xfrm>
+            <a:off x="0" y="104775"/>
+            <a:ext cx="12192000" cy="923330"/>
+          </a:xfrm>
+          <a:prstGeom prst="rect">
+            <a:avLst/>
+          </a:prstGeom>
+          <a:noFill/>
+        </p:spPr>
+        <p:txBody>
+          <a:bodyPr wrap="square" rtlCol="0">
+            <a:spAutoFit/>
+          </a:bodyPr>
+          <a:lstStyle/>
+          <a:p>
+            <a:pPr algn="ctr"/>
+            <a:r>
+              <a:rPr lang="es-CO" sz="5400" b="1" dirty="0" smtClean="0">
+                <a:solidFill>
+                  <a:schemeClr val="bg1"/>
+                </a:solidFill>
+                <a:latin typeface="Berlin Sans FB Demi" panose="020E0802020502020306" pitchFamily="34" charset="0"/>
+              </a:rPr>
+              <a:t>Python </a:t>
+            </a:r>
+            <a:r>
+              <a:rPr lang="es-CO" sz="5400" b="1" dirty="0" err="1" smtClean="0">
+                <a:solidFill>
+                  <a:schemeClr val="bg1"/>
+                </a:solidFill>
+                <a:latin typeface="Berlin Sans FB Demi" panose="020E0802020502020306" pitchFamily="34" charset="0"/>
+              </a:rPr>
+              <a:t>Interpreter</a:t>
+            </a:r>
+            <a:endParaRPr lang="es-CO" sz="3600" b="1" dirty="0">
+              <a:solidFill>
+                <a:schemeClr val="bg1"/>
+              </a:solidFill>
+              <a:latin typeface="Berlin Sans FB Demi" panose="020E0802020502020306" pitchFamily="34" charset="0"/>
+            </a:endParaRPr>
+          </a:p>
+        </p:txBody>
+      </p:sp>
+      <p:pic>
+        <p:nvPicPr>
+          <p:cNvPr id="2050" name="Picture 2" descr="Resultado de imagen para python runtime execution model"/>
+          <p:cNvPicPr>
+            <a:picLocks noChangeAspect="1" noChangeArrowheads="1"/>
+          </p:cNvPicPr>
+          <p:nvPr/>
+        </p:nvPicPr>
+        <p:blipFill>
+          <a:blip r:embed="rId2">
+            <a:extLst>
+              <a:ext uri="{28A0092B-C50C-407E-A947-70E740481C1C}">
+                <a14:useLocalDpi xmlns:a14="http://schemas.microsoft.com/office/drawing/2010/main" val="0"/>
+              </a:ext>
+            </a:extLst>
+          </a:blip>
+          <a:srcRect/>
+          <a:stretch>
+            <a:fillRect/>
+          </a:stretch>
+        </p:blipFill>
+        <p:spPr bwMode="auto">
+          <a:xfrm>
+            <a:off x="3681412" y="2647848"/>
+            <a:ext cx="4829175" cy="1628776"/>
+          </a:xfrm>
+          <a:prstGeom prst="rect">
+            <a:avLst/>
+          </a:prstGeom>
+          <a:noFill/>
+          <a:effectLst>
+            <a:innerShdw blurRad="114300">
+              <a:prstClr val="black"/>
+            </a:innerShdw>
+          </a:effectLst>
+          <a:extLst>
+            <a:ext uri="{909E8E84-426E-40DD-AFC4-6F175D3DCCD1}">
+              <a14:hiddenFill xmlns:a14="http://schemas.microsoft.com/office/drawing/2010/main">
+                <a:solidFill>
+                  <a:srgbClr val="FFFFFF"/>
+                </a:solidFill>
+              </a14:hiddenFill>
+            </a:ext>
+          </a:extLst>
+        </p:spPr>
+      </p:pic>
+    </p:spTree>
+    <p:extLst>
+      <p:ext uri="{BB962C8B-B14F-4D97-AF65-F5344CB8AC3E}">
+        <p14:creationId xmlns:p14="http://schemas.microsoft.com/office/powerpoint/2010/main" val="833131253"/>
+      </p:ext>
+    </p:extLst>
+  </p:cSld>
+  <p:clrMapOvr>
+    <a:masterClrMapping/>
+  </p:clrMapOvr>
+  <p:timing>
+    <p:tnLst>
+      <p:par>
+        <p:cTn id="1" dur="indefinite" restart="never" nodeType="tmRoot"/>
+      </p:par>
+    </p:tnLst>
+  </p:timing>
+</p:sld>
+</file>
+
+<file path=ppt/slides/slide7.xml><?xml version="1.0" encoding="utf-8"?>
+<p:sld xmlns:a="http://schemas.openxmlformats.org/drawingml/2006/main" xmlns:r="http://schemas.openxmlformats.org/officeDocument/2006/relationships" xmlns:p="http://schemas.openxmlformats.org/presentationml/2006/main">
+  <p:cSld>
+    <p:spTree>
+      <p:nvGrpSpPr>
+        <p:cNvPr id="1" name=""/>
+        <p:cNvGrpSpPr/>
+        <p:nvPr/>
+      </p:nvGrpSpPr>
+      <p:grpSpPr>
+        <a:xfrm>
+          <a:off x="0" y="0"/>
+          <a:ext cx="0" cy="0"/>
+          <a:chOff x="0" y="0"/>
+          <a:chExt cx="0" cy="0"/>
+        </a:xfrm>
+      </p:grpSpPr>
+      <p:sp>
+        <p:nvSpPr>
+          <p:cNvPr id="4" name="Marcador de número de diapositiva 3">
+            <a:extLst>
+              <a:ext uri="{FF2B5EF4-FFF2-40B4-BE49-F238E27FC236}">
+                <a16:creationId xmlns:a16="http://schemas.microsoft.com/office/drawing/2014/main" id="{EA221394-0EBB-4640-84DA-F1D36ECD6047}"/>
+              </a:ext>
+            </a:extLst>
+          </p:cNvPr>
+          <p:cNvSpPr>
+            <a:spLocks noGrp="1"/>
+          </p:cNvSpPr>
+          <p:nvPr>
+            <p:ph type="sldNum" sz="quarter" idx="12"/>
+          </p:nvPr>
+        </p:nvSpPr>
+        <p:spPr/>
+        <p:txBody>
+          <a:bodyPr/>
+          <a:lstStyle/>
+          <a:p>
+            <a:fld id="{FF3034EF-BFAE-4255-A656-297DAB7FEC3B}" type="slidenum">
+              <a:rPr lang="es-CO" smtClean="0"/>
+              <a:t>7</a:t>
+            </a:fld>
+            <a:endParaRPr lang="es-CO"/>
+          </a:p>
+        </p:txBody>
+      </p:sp>
+      <p:sp>
+        <p:nvSpPr>
+          <p:cNvPr id="5" name="CuadroTexto 4">
+            <a:extLst>
+              <a:ext uri="{FF2B5EF4-FFF2-40B4-BE49-F238E27FC236}">
+                <a16:creationId xmlns:a16="http://schemas.microsoft.com/office/drawing/2014/main" id="{A84A9A1E-7896-4092-A71F-E527966027B7}"/>
+              </a:ext>
+            </a:extLst>
+          </p:cNvPr>
+          <p:cNvSpPr txBox="1"/>
+          <p:nvPr/>
+        </p:nvSpPr>
+        <p:spPr>
+          <a:xfrm>
+            <a:off x="0" y="104775"/>
+            <a:ext cx="12192000" cy="923330"/>
+          </a:xfrm>
+          <a:prstGeom prst="rect">
+            <a:avLst/>
+          </a:prstGeom>
+          <a:noFill/>
+        </p:spPr>
+        <p:txBody>
+          <a:bodyPr wrap="square" rtlCol="0">
+            <a:spAutoFit/>
+          </a:bodyPr>
+          <a:lstStyle/>
+          <a:p>
+            <a:pPr algn="ctr"/>
+            <a:r>
+              <a:rPr lang="es-CO" sz="5400" b="1" dirty="0" smtClean="0">
+                <a:solidFill>
+                  <a:schemeClr val="bg1"/>
+                </a:solidFill>
+                <a:latin typeface="Berlin Sans FB Demi" panose="020E0802020502020306" pitchFamily="34" charset="0"/>
+              </a:rPr>
+              <a:t>Python </a:t>
+            </a:r>
+            <a:r>
+              <a:rPr lang="es-CO" sz="5400" b="1" dirty="0" err="1" smtClean="0">
+                <a:solidFill>
+                  <a:schemeClr val="bg1"/>
+                </a:solidFill>
+                <a:latin typeface="Berlin Sans FB Demi" panose="020E0802020502020306" pitchFamily="34" charset="0"/>
+              </a:rPr>
+              <a:t>Interpreter</a:t>
+            </a:r>
+            <a:endParaRPr lang="es-CO" sz="3600" b="1" dirty="0">
+              <a:solidFill>
+                <a:schemeClr val="bg1"/>
+              </a:solidFill>
+              <a:latin typeface="Berlin Sans FB Demi" panose="020E0802020502020306" pitchFamily="34" charset="0"/>
+            </a:endParaRPr>
+          </a:p>
+        </p:txBody>
+      </p:sp>
+      <p:pic>
+        <p:nvPicPr>
+          <p:cNvPr id="6" name="Imagen 5"/>
+          <p:cNvPicPr>
+            <a:picLocks noChangeAspect="1"/>
+          </p:cNvPicPr>
+          <p:nvPr/>
+        </p:nvPicPr>
+        <p:blipFill>
+          <a:blip r:embed="rId2"/>
+          <a:stretch>
+            <a:fillRect/>
+          </a:stretch>
+        </p:blipFill>
+        <p:spPr>
+          <a:xfrm>
+            <a:off x="1207427" y="2032539"/>
+            <a:ext cx="2279161" cy="4323811"/>
+          </a:xfrm>
+          <a:prstGeom prst="rect">
+            <a:avLst/>
+          </a:prstGeom>
+          <a:effectLst>
+            <a:innerShdw blurRad="114300">
+              <a:prstClr val="black"/>
+            </a:innerShdw>
+          </a:effectLst>
+        </p:spPr>
+      </p:pic>
+      <p:pic>
+        <p:nvPicPr>
+          <p:cNvPr id="7" name="Imagen 6"/>
+          <p:cNvPicPr>
+            <a:picLocks noChangeAspect="1"/>
+          </p:cNvPicPr>
+          <p:nvPr/>
+        </p:nvPicPr>
+        <p:blipFill>
+          <a:blip r:embed="rId3"/>
+          <a:stretch>
+            <a:fillRect/>
+          </a:stretch>
+        </p:blipFill>
+        <p:spPr>
+          <a:xfrm>
+            <a:off x="4687202" y="2031628"/>
+            <a:ext cx="5659786" cy="4152194"/>
+          </a:xfrm>
+          <a:prstGeom prst="rect">
+            <a:avLst/>
+          </a:prstGeom>
+          <a:effectLst>
+            <a:innerShdw blurRad="114300">
+              <a:prstClr val="black"/>
+            </a:innerShdw>
+          </a:effectLst>
+        </p:spPr>
+      </p:pic>
+    </p:spTree>
+    <p:extLst>
+      <p:ext uri="{BB962C8B-B14F-4D97-AF65-F5344CB8AC3E}">
+        <p14:creationId xmlns:p14="http://schemas.microsoft.com/office/powerpoint/2010/main" val="3820429340"/>
+      </p:ext>
+    </p:extLst>
+  </p:cSld>
+  <p:clrMapOvr>
+    <a:masterClrMapping/>
+  </p:clrMapOvr>
+  <p:timing>
+    <p:tnLst>
+      <p:par>
+        <p:cTn id="1" dur="indefinite" restart="never" nodeType="tmRoot"/>
+      </p:par>
+    </p:tnLst>
+  </p:timing>
+</p:sld>
+</file>
+
+<file path=ppt/slides/slide8.xml><?xml version="1.0" encoding="utf-8"?>
+<p:sld xmlns:a="http://schemas.openxmlformats.org/drawingml/2006/main" xmlns:r="http://schemas.openxmlformats.org/officeDocument/2006/relationships" xmlns:p="http://schemas.openxmlformats.org/presentationml/2006/main">
+  <p:cSld>
+    <p:spTree>
+      <p:nvGrpSpPr>
+        <p:cNvPr id="1" name=""/>
+        <p:cNvGrpSpPr/>
+        <p:nvPr/>
+      </p:nvGrpSpPr>
+      <p:grpSpPr>
+        <a:xfrm>
+          <a:off x="0" y="0"/>
+          <a:ext cx="0" cy="0"/>
+          <a:chOff x="0" y="0"/>
+          <a:chExt cx="0" cy="0"/>
+        </a:xfrm>
+      </p:grpSpPr>
+      <p:sp>
+        <p:nvSpPr>
+          <p:cNvPr id="4" name="Marcador de número de diapositiva 3">
+            <a:extLst>
+              <a:ext uri="{FF2B5EF4-FFF2-40B4-BE49-F238E27FC236}">
+                <a16:creationId xmlns:a16="http://schemas.microsoft.com/office/drawing/2014/main" id="{EA221394-0EBB-4640-84DA-F1D36ECD6047}"/>
+              </a:ext>
+            </a:extLst>
+          </p:cNvPr>
+          <p:cNvSpPr>
+            <a:spLocks noGrp="1"/>
+          </p:cNvSpPr>
+          <p:nvPr>
+            <p:ph type="sldNum" sz="quarter" idx="12"/>
+          </p:nvPr>
+        </p:nvSpPr>
+        <p:spPr/>
+        <p:txBody>
+          <a:bodyPr/>
+          <a:lstStyle/>
+          <a:p>
+            <a:fld id="{FF3034EF-BFAE-4255-A656-297DAB7FEC3B}" type="slidenum">
+              <a:rPr lang="es-CO" smtClean="0"/>
+              <a:t>8</a:t>
+            </a:fld>
+            <a:endParaRPr lang="es-CO"/>
+          </a:p>
+        </p:txBody>
+      </p:sp>
+      <p:sp>
+        <p:nvSpPr>
+          <p:cNvPr id="5" name="CuadroTexto 4">
+            <a:extLst>
+              <a:ext uri="{FF2B5EF4-FFF2-40B4-BE49-F238E27FC236}">
+                <a16:creationId xmlns:a16="http://schemas.microsoft.com/office/drawing/2014/main" id="{A84A9A1E-7896-4092-A71F-E527966027B7}"/>
+              </a:ext>
+            </a:extLst>
+          </p:cNvPr>
+          <p:cNvSpPr txBox="1"/>
+          <p:nvPr/>
+        </p:nvSpPr>
+        <p:spPr>
+          <a:xfrm>
+            <a:off x="0" y="104775"/>
+            <a:ext cx="12192000" cy="923330"/>
+          </a:xfrm>
+          <a:prstGeom prst="rect">
+            <a:avLst/>
+          </a:prstGeom>
+          <a:noFill/>
+        </p:spPr>
+        <p:txBody>
+          <a:bodyPr wrap="square" rtlCol="0">
+            <a:spAutoFit/>
+          </a:bodyPr>
+          <a:lstStyle/>
+          <a:p>
+            <a:pPr algn="ctr"/>
+            <a:r>
+              <a:rPr lang="es-CO" sz="5400" b="1" dirty="0" smtClean="0">
+                <a:solidFill>
+                  <a:schemeClr val="bg1"/>
+                </a:solidFill>
+                <a:latin typeface="Berlin Sans FB Demi" panose="020E0802020502020306" pitchFamily="34" charset="0"/>
+              </a:rPr>
+              <a:t>Python </a:t>
+            </a:r>
+            <a:r>
+              <a:rPr lang="es-CO" sz="5400" b="1" dirty="0" err="1" smtClean="0">
+                <a:solidFill>
+                  <a:schemeClr val="bg1"/>
+                </a:solidFill>
+                <a:latin typeface="Berlin Sans FB Demi" panose="020E0802020502020306" pitchFamily="34" charset="0"/>
+              </a:rPr>
+              <a:t>Interpreter</a:t>
+            </a:r>
+            <a:endParaRPr lang="es-CO" sz="3600" b="1" dirty="0">
+              <a:solidFill>
+                <a:schemeClr val="bg1"/>
+              </a:solidFill>
+              <a:latin typeface="Berlin Sans FB Demi" panose="020E0802020502020306" pitchFamily="34" charset="0"/>
+            </a:endParaRPr>
+          </a:p>
+        </p:txBody>
+      </p:sp>
+      <p:pic>
+        <p:nvPicPr>
+          <p:cNvPr id="2" name="Imagen 1"/>
+          <p:cNvPicPr>
+            <a:picLocks noChangeAspect="1"/>
+          </p:cNvPicPr>
+          <p:nvPr/>
+        </p:nvPicPr>
+        <p:blipFill>
+          <a:blip r:embed="rId2"/>
+          <a:stretch>
+            <a:fillRect/>
+          </a:stretch>
+        </p:blipFill>
+        <p:spPr>
+          <a:xfrm>
+            <a:off x="2900362" y="1702846"/>
+            <a:ext cx="6391275" cy="3705225"/>
+          </a:xfrm>
+          <a:prstGeom prst="rect">
+            <a:avLst/>
+          </a:prstGeom>
+        </p:spPr>
+      </p:pic>
+    </p:spTree>
+    <p:extLst>
+      <p:ext uri="{BB962C8B-B14F-4D97-AF65-F5344CB8AC3E}">
+        <p14:creationId xmlns:p14="http://schemas.microsoft.com/office/powerpoint/2010/main" val="256514852"/>
+      </p:ext>
+    </p:extLst>
+  </p:cSld>
+  <p:clrMapOvr>
+    <a:masterClrMapping/>
+  </p:clrMapOvr>
+  <p:timing>
+    <p:tnLst>
+      <p:par>
+        <p:cTn id="1" dur="indefinite" restart="never" nodeType="tmRoot"/>
+      </p:par>
+    </p:tnLst>
+  </p:timing>
+</p:sld>
+</file>
+
+<file path=ppt/slides/slide9.xml><?xml version="1.0" encoding="utf-8"?>
+<p:sld xmlns:a="http://schemas.openxmlformats.org/drawingml/2006/main" xmlns:r="http://schemas.openxmlformats.org/officeDocument/2006/relationships" xmlns:p="http://schemas.openxmlformats.org/presentationml/2006/main">
+  <p:cSld>
+    <p:spTree>
+      <p:nvGrpSpPr>
+        <p:cNvPr id="1" name=""/>
+        <p:cNvGrpSpPr/>
+        <p:nvPr/>
+      </p:nvGrpSpPr>
+      <p:grpSpPr>
+        <a:xfrm>
+          <a:off x="0" y="0"/>
+          <a:ext cx="0" cy="0"/>
+          <a:chOff x="0" y="0"/>
+          <a:chExt cx="0" cy="0"/>
+        </a:xfrm>
+      </p:grpSpPr>
+      <p:sp>
+        <p:nvSpPr>
+          <p:cNvPr id="4" name="Marcador de número de diapositiva 3">
+            <a:extLst>
+              <a:ext uri="{FF2B5EF4-FFF2-40B4-BE49-F238E27FC236}">
+                <a16:creationId xmlns:a16="http://schemas.microsoft.com/office/drawing/2014/main" id="{EA221394-0EBB-4640-84DA-F1D36ECD6047}"/>
+              </a:ext>
+            </a:extLst>
+          </p:cNvPr>
+          <p:cNvSpPr>
+            <a:spLocks noGrp="1"/>
+          </p:cNvSpPr>
+          <p:nvPr>
+            <p:ph type="sldNum" sz="quarter" idx="12"/>
+          </p:nvPr>
+        </p:nvSpPr>
+        <p:spPr/>
+        <p:txBody>
+          <a:bodyPr/>
+          <a:lstStyle/>
+          <a:p>
+            <a:fld id="{FF3034EF-BFAE-4255-A656-297DAB7FEC3B}" type="slidenum">
+              <a:rPr lang="es-CO" smtClean="0"/>
+              <a:t>9</a:t>
+            </a:fld>
+            <a:endParaRPr lang="es-CO"/>
+          </a:p>
+        </p:txBody>
+      </p:sp>
+      <p:sp>
+        <p:nvSpPr>
+          <p:cNvPr id="5" name="CuadroTexto 4">
+            <a:extLst>
+              <a:ext uri="{FF2B5EF4-FFF2-40B4-BE49-F238E27FC236}">
+                <a16:creationId xmlns:a16="http://schemas.microsoft.com/office/drawing/2014/main" id="{A84A9A1E-7896-4092-A71F-E527966027B7}"/>
+              </a:ext>
+            </a:extLst>
+          </p:cNvPr>
+          <p:cNvSpPr txBox="1"/>
+          <p:nvPr/>
+        </p:nvSpPr>
+        <p:spPr>
+          <a:xfrm>
+            <a:off x="0" y="104775"/>
+            <a:ext cx="12192000" cy="923330"/>
+          </a:xfrm>
+          <a:prstGeom prst="rect">
+            <a:avLst/>
+          </a:prstGeom>
+          <a:noFill/>
+        </p:spPr>
+        <p:txBody>
+          <a:bodyPr wrap="square" rtlCol="0">
+            <a:spAutoFit/>
+          </a:bodyPr>
+          <a:lstStyle/>
+          <a:p>
+            <a:pPr algn="ctr"/>
+            <a:r>
+              <a:rPr lang="es-CO" sz="5400" b="1" dirty="0" smtClean="0">
+                <a:solidFill>
+                  <a:schemeClr val="bg1"/>
+                </a:solidFill>
+                <a:latin typeface="Berlin Sans FB Demi" panose="020E0802020502020306" pitchFamily="34" charset="0"/>
+              </a:rPr>
+              <a:t>Python </a:t>
+            </a:r>
+            <a:r>
+              <a:rPr lang="es-CO" sz="5400" b="1" dirty="0" err="1" smtClean="0">
+                <a:solidFill>
+                  <a:schemeClr val="bg1"/>
+                </a:solidFill>
+                <a:latin typeface="Berlin Sans FB Demi" panose="020E0802020502020306" pitchFamily="34" charset="0"/>
+              </a:rPr>
+              <a:t>Interpreter</a:t>
+            </a:r>
+            <a:endParaRPr lang="es-CO" sz="3600" b="1" dirty="0">
+              <a:solidFill>
+                <a:schemeClr val="bg1"/>
+              </a:solidFill>
+              <a:latin typeface="Berlin Sans FB Demi" panose="020E0802020502020306" pitchFamily="34" charset="0"/>
+            </a:endParaRPr>
+          </a:p>
+        </p:txBody>
+      </p:sp>
+      <p:pic>
+        <p:nvPicPr>
+          <p:cNvPr id="3" name="Imagen 2"/>
+          <p:cNvPicPr>
+            <a:picLocks noChangeAspect="1"/>
+          </p:cNvPicPr>
+          <p:nvPr/>
+        </p:nvPicPr>
+        <p:blipFill>
+          <a:blip r:embed="rId2"/>
+          <a:stretch>
+            <a:fillRect/>
+          </a:stretch>
+        </p:blipFill>
+        <p:spPr>
+          <a:xfrm>
+            <a:off x="3514725" y="1863427"/>
+            <a:ext cx="5162550" cy="1828800"/>
+          </a:xfrm>
+          <a:prstGeom prst="rect">
+            <a:avLst/>
+          </a:prstGeom>
+          <a:effectLst>
+            <a:innerShdw blurRad="114300">
+              <a:prstClr val="black"/>
+            </a:innerShdw>
+          </a:effectLst>
+        </p:spPr>
+      </p:pic>
+      <p:pic>
+        <p:nvPicPr>
+          <p:cNvPr id="6" name="Imagen 5"/>
+          <p:cNvPicPr>
+            <a:picLocks noChangeAspect="1"/>
+          </p:cNvPicPr>
+          <p:nvPr/>
+        </p:nvPicPr>
+        <p:blipFill>
+          <a:blip r:embed="rId3"/>
+          <a:stretch>
+            <a:fillRect/>
+          </a:stretch>
+        </p:blipFill>
+        <p:spPr>
+          <a:xfrm>
+            <a:off x="2646328" y="4151886"/>
+            <a:ext cx="7658100" cy="1200150"/>
+          </a:xfrm>
+          <a:prstGeom prst="rect">
+            <a:avLst/>
+          </a:prstGeom>
+          <a:effectLst>
+            <a:innerShdw blurRad="114300">
+              <a:prstClr val="black"/>
+            </a:innerShdw>
+          </a:effectLst>
+        </p:spPr>
+      </p:pic>
+      <p:pic>
+        <p:nvPicPr>
+          <p:cNvPr id="7" name="Imagen 6"/>
+          <p:cNvPicPr>
+            <a:picLocks noChangeAspect="1"/>
+          </p:cNvPicPr>
+          <p:nvPr/>
+        </p:nvPicPr>
+        <p:blipFill>
+          <a:blip r:embed="rId4"/>
+          <a:stretch>
+            <a:fillRect/>
+          </a:stretch>
+        </p:blipFill>
+        <p:spPr>
+          <a:xfrm>
+            <a:off x="4795837" y="5811695"/>
+            <a:ext cx="2600325" cy="390525"/>
+          </a:xfrm>
+          <a:prstGeom prst="rect">
+            <a:avLst/>
+          </a:prstGeom>
+          <a:effectLst>
+            <a:innerShdw blurRad="114300">
+              <a:prstClr val="black"/>
+            </a:innerShdw>
+          </a:effectLst>
+        </p:spPr>
+      </p:pic>
+    </p:spTree>
+    <p:extLst>
+      <p:ext uri="{BB962C8B-B14F-4D97-AF65-F5344CB8AC3E}">
+        <p14:creationId xmlns:p14="http://schemas.microsoft.com/office/powerpoint/2010/main" val="828268232"/>
+      </p:ext>
+    </p:extLst>
+  </p:cSld>
+  <p:clrMapOvr>
+    <a:masterClrMapping/>
+  </p:clrMapOvr>
+  <p:timing>
+    <p:tnLst>
+      <p:par>
+        <p:cTn id="1" dur="indefinite" restart="never" nodeType="tmRoot"/>
       </p:par>
     </p:tnLst>
   </p:timing>
